--- a/PLPTH813Bioinformatis/2021/labs/lab03_R.pptx
+++ b/PLPTH813Bioinformatis/2021/labs/lab03_R.pptx
@@ -5,7 +5,7 @@
     <p:sldMasterId id="2147483648" r:id="rId1"/>
   </p:sldMasterIdLst>
   <p:notesMasterIdLst>
-    <p:notesMasterId r:id="rId32"/>
+    <p:notesMasterId r:id="rId44"/>
   </p:notesMasterIdLst>
   <p:sldIdLst>
     <p:sldId id="256" r:id="rId2"/>
@@ -37,7 +37,19 @@
     <p:sldId id="300" r:id="rId28"/>
     <p:sldId id="286" r:id="rId29"/>
     <p:sldId id="306" r:id="rId30"/>
-    <p:sldId id="323" r:id="rId31"/>
+    <p:sldId id="324" r:id="rId31"/>
+    <p:sldId id="343" r:id="rId32"/>
+    <p:sldId id="325" r:id="rId33"/>
+    <p:sldId id="344" r:id="rId34"/>
+    <p:sldId id="327" r:id="rId35"/>
+    <p:sldId id="345" r:id="rId36"/>
+    <p:sldId id="346" r:id="rId37"/>
+    <p:sldId id="347" r:id="rId38"/>
+    <p:sldId id="333" r:id="rId39"/>
+    <p:sldId id="334" r:id="rId40"/>
+    <p:sldId id="335" r:id="rId41"/>
+    <p:sldId id="336" r:id="rId42"/>
+    <p:sldId id="323" r:id="rId43"/>
   </p:sldIdLst>
   <p:sldSz cx="9144000" cy="6858000" type="screen4x3"/>
   <p:notesSz cx="6858000" cy="9144000"/>
@@ -237,7 +249,7 @@
           <a:p>
             <a:fld id="{5EE6BB87-626E-9C4B-A7F4-9EF6478BD5F6}" type="datetimeFigureOut">
               <a:rPr lang="en-US" smtClean="0"/>
-              <a:t>2/10/21</a:t>
+              <a:t>2/17/21</a:t>
             </a:fld>
             <a:endParaRPr lang="en-US"/>
           </a:p>
@@ -569,7 +581,7 @@
           <a:p>
             <a:fld id="{E546D73F-96E8-4140-88A9-011E5B136DCE}" type="slidenum">
               <a:rPr lang="en-US" smtClean="0"/>
-              <a:t>30</a:t>
+              <a:t>42</a:t>
             </a:fld>
             <a:endParaRPr lang="en-US"/>
           </a:p>
@@ -767,7 +779,7 @@
           <a:p>
             <a:fld id="{254119E5-AD51-7E46-9344-E8B3BB37F139}" type="datetime1">
               <a:rPr lang="en-US" smtClean="0"/>
-              <a:t>2/10/21</a:t>
+              <a:t>2/17/21</a:t>
             </a:fld>
             <a:endParaRPr lang="en-US"/>
           </a:p>
@@ -935,7 +947,7 @@
           <a:p>
             <a:fld id="{CD42E9F4-7DE3-B746-B1FE-192A544BEF48}" type="datetime1">
               <a:rPr lang="en-US" smtClean="0"/>
-              <a:t>2/10/21</a:t>
+              <a:t>2/17/21</a:t>
             </a:fld>
             <a:endParaRPr lang="en-US"/>
           </a:p>
@@ -1113,7 +1125,7 @@
           <a:p>
             <a:fld id="{845A3379-C538-544A-A9D1-640EB79FE5C7}" type="datetime1">
               <a:rPr lang="en-US" smtClean="0"/>
-              <a:t>2/10/21</a:t>
+              <a:t>2/17/21</a:t>
             </a:fld>
             <a:endParaRPr lang="en-US"/>
           </a:p>
@@ -1281,7 +1293,7 @@
           <a:p>
             <a:fld id="{5669ABA4-2197-7D41-AEF2-BD140F17A11F}" type="datetime1">
               <a:rPr lang="en-US" smtClean="0"/>
-              <a:t>2/10/21</a:t>
+              <a:t>2/17/21</a:t>
             </a:fld>
             <a:endParaRPr lang="en-US"/>
           </a:p>
@@ -1526,7 +1538,7 @@
           <a:p>
             <a:fld id="{5579C3C2-B0B3-964C-973A-E953F88F5679}" type="datetime1">
               <a:rPr lang="en-US" smtClean="0"/>
-              <a:t>2/10/21</a:t>
+              <a:t>2/17/21</a:t>
             </a:fld>
             <a:endParaRPr lang="en-US"/>
           </a:p>
@@ -1811,7 +1823,7 @@
           <a:p>
             <a:fld id="{6CC1E685-B844-B749-AC6C-8F4EE0F34DB8}" type="datetime1">
               <a:rPr lang="en-US" smtClean="0"/>
-              <a:t>2/10/21</a:t>
+              <a:t>2/17/21</a:t>
             </a:fld>
             <a:endParaRPr lang="en-US"/>
           </a:p>
@@ -2230,7 +2242,7 @@
           <a:p>
             <a:fld id="{7BA8CA4E-9F77-BA4C-B927-7C688D1260D8}" type="datetime1">
               <a:rPr lang="en-US" smtClean="0"/>
-              <a:t>2/10/21</a:t>
+              <a:t>2/17/21</a:t>
             </a:fld>
             <a:endParaRPr lang="en-US"/>
           </a:p>
@@ -2347,7 +2359,7 @@
           <a:p>
             <a:fld id="{A48E6C0C-4E93-104B-8392-781802BB7D1C}" type="datetime1">
               <a:rPr lang="en-US" smtClean="0"/>
-              <a:t>2/10/21</a:t>
+              <a:t>2/17/21</a:t>
             </a:fld>
             <a:endParaRPr lang="en-US"/>
           </a:p>
@@ -2442,7 +2454,7 @@
           <a:p>
             <a:fld id="{B63AE914-843C-0E41-9DA9-9B1ED48CF7DA}" type="datetime1">
               <a:rPr lang="en-US" smtClean="0"/>
-              <a:t>2/10/21</a:t>
+              <a:t>2/17/21</a:t>
             </a:fld>
             <a:endParaRPr lang="en-US"/>
           </a:p>
@@ -2717,7 +2729,7 @@
           <a:p>
             <a:fld id="{84DA3DA4-BEC6-0243-AA07-E0771E045B09}" type="datetime1">
               <a:rPr lang="en-US" smtClean="0"/>
-              <a:t>2/10/21</a:t>
+              <a:t>2/17/21</a:t>
             </a:fld>
             <a:endParaRPr lang="en-US"/>
           </a:p>
@@ -2969,7 +2981,7 @@
           <a:p>
             <a:fld id="{FDE217A0-9CD2-FD45-8591-8409027D94BD}" type="datetime1">
               <a:rPr lang="en-US" smtClean="0"/>
-              <a:t>2/10/21</a:t>
+              <a:t>2/17/21</a:t>
             </a:fld>
             <a:endParaRPr lang="en-US"/>
           </a:p>
@@ -3180,7 +3192,7 @@
           <a:p>
             <a:fld id="{A86DD059-C251-DB4C-8608-C5C083C94679}" type="datetime1">
               <a:rPr lang="en-US" smtClean="0"/>
-              <a:t>2/10/21</a:t>
+              <a:t>2/17/21</a:t>
             </a:fld>
             <a:endParaRPr lang="en-US"/>
           </a:p>
@@ -10549,7 +10561,7 @@
           <a:p>
             <a:r>
               <a:rPr lang="en-US" dirty="0"/>
-              <a:t>Help information</a:t>
+              <a:t>Write your own function</a:t>
             </a:r>
           </a:p>
         </p:txBody>
@@ -10566,8 +10578,486 @@
         </p:nvSpPr>
         <p:spPr>
           <a:xfrm>
-            <a:off x="1357171" y="1506835"/>
-            <a:ext cx="6557539" cy="3647279"/>
+            <a:off x="937730" y="1384876"/>
+            <a:ext cx="6587702" cy="4203123"/>
+          </a:xfrm>
+        </p:spPr>
+        <p:txBody>
+          <a:bodyPr>
+            <a:noAutofit/>
+          </a:bodyPr>
+          <a:lstStyle/>
+          <a:p>
+            <a:r>
+              <a:rPr lang="en-US" b="1" dirty="0">
+                <a:solidFill>
+                  <a:srgbClr val="17375E"/>
+                </a:solidFill>
+              </a:rPr>
+              <a:t>Define a function</a:t>
+            </a:r>
+          </a:p>
+          <a:p>
+            <a:pPr marL="0" indent="0">
+              <a:buNone/>
+            </a:pPr>
+            <a:r>
+              <a:rPr lang="en-US" dirty="0"/>
+              <a:t>name &lt;- function(arg_1, arg_2, ...) expression</a:t>
+            </a:r>
+          </a:p>
+          <a:p>
+            <a:pPr marL="0" indent="0">
+              <a:buNone/>
+            </a:pPr>
+            <a:endParaRPr lang="en-US" sz="1600" dirty="0">
+              <a:latin typeface="Courier"/>
+              <a:cs typeface="Courier"/>
+            </a:endParaRPr>
+          </a:p>
+          <a:p>
+            <a:pPr marL="0" indent="0">
+              <a:buNone/>
+            </a:pPr>
+            <a:r>
+              <a:rPr lang="en-US" sz="1600" dirty="0">
+                <a:latin typeface="Courier"/>
+                <a:cs typeface="Courier"/>
+              </a:rPr>
+              <a:t># example 1</a:t>
+            </a:r>
+          </a:p>
+          <a:p>
+            <a:pPr marL="0" indent="0">
+              <a:buNone/>
+            </a:pPr>
+            <a:r>
+              <a:rPr lang="en-US" sz="1600" dirty="0" err="1">
+                <a:latin typeface="Courier"/>
+                <a:cs typeface="Courier"/>
+              </a:rPr>
+              <a:t>threetimes</a:t>
+            </a:r>
+            <a:r>
+              <a:rPr lang="en-US" sz="1600" dirty="0">
+                <a:latin typeface="Courier"/>
+                <a:cs typeface="Courier"/>
+              </a:rPr>
+              <a:t> &lt;- function(x) {</a:t>
+            </a:r>
+          </a:p>
+          <a:p>
+            <a:pPr marL="0" indent="0">
+              <a:buNone/>
+            </a:pPr>
+            <a:r>
+              <a:rPr lang="en-US" sz="1600" dirty="0">
+                <a:latin typeface="Courier"/>
+                <a:cs typeface="Courier"/>
+              </a:rPr>
+              <a:t>  y &lt;- 3*x</a:t>
+            </a:r>
+          </a:p>
+          <a:p>
+            <a:pPr marL="0" indent="0">
+              <a:buNone/>
+            </a:pPr>
+            <a:r>
+              <a:rPr lang="en-US" sz="1600" dirty="0">
+                <a:latin typeface="Courier"/>
+                <a:cs typeface="Courier"/>
+              </a:rPr>
+              <a:t>  y</a:t>
+            </a:r>
+          </a:p>
+          <a:p>
+            <a:pPr marL="0" indent="0">
+              <a:buNone/>
+            </a:pPr>
+            <a:r>
+              <a:rPr lang="en-US" sz="1600" dirty="0">
+                <a:latin typeface="Courier"/>
+                <a:cs typeface="Courier"/>
+              </a:rPr>
+              <a:t>}</a:t>
+            </a:r>
+          </a:p>
+          <a:p>
+            <a:pPr marL="0" indent="0">
+              <a:buNone/>
+            </a:pPr>
+            <a:endParaRPr lang="en-US" sz="1600" dirty="0">
+              <a:latin typeface="Courier"/>
+              <a:cs typeface="Courier"/>
+            </a:endParaRPr>
+          </a:p>
+          <a:p>
+            <a:pPr marL="0" indent="0">
+              <a:buNone/>
+            </a:pPr>
+            <a:r>
+              <a:rPr lang="en-US" sz="1600" dirty="0">
+                <a:latin typeface="Courier"/>
+                <a:cs typeface="Courier"/>
+              </a:rPr>
+              <a:t># example 2</a:t>
+            </a:r>
+          </a:p>
+          <a:p>
+            <a:pPr marL="0" indent="0">
+              <a:buNone/>
+            </a:pPr>
+            <a:r>
+              <a:rPr lang="en-US" sz="1600" dirty="0" err="1">
+                <a:latin typeface="Courier"/>
+                <a:cs typeface="Courier"/>
+              </a:rPr>
+              <a:t>threetimes</a:t>
+            </a:r>
+            <a:r>
+              <a:rPr lang="en-US" sz="1600" dirty="0">
+                <a:latin typeface="Courier"/>
+                <a:cs typeface="Courier"/>
+              </a:rPr>
+              <a:t> &lt;- function(x) {</a:t>
+            </a:r>
+          </a:p>
+          <a:p>
+            <a:pPr marL="0" indent="0">
+              <a:buNone/>
+            </a:pPr>
+            <a:r>
+              <a:rPr lang="en-US" sz="1600" dirty="0">
+                <a:latin typeface="Courier"/>
+                <a:cs typeface="Courier"/>
+              </a:rPr>
+              <a:t>  3*x</a:t>
+            </a:r>
+          </a:p>
+          <a:p>
+            <a:pPr marL="0" indent="0">
+              <a:buNone/>
+            </a:pPr>
+            <a:r>
+              <a:rPr lang="en-US" sz="1600" dirty="0">
+                <a:latin typeface="Courier"/>
+                <a:cs typeface="Courier"/>
+              </a:rPr>
+              <a:t>}</a:t>
+            </a:r>
+          </a:p>
+          <a:p>
+            <a:pPr marL="0" indent="0">
+              <a:buNone/>
+            </a:pPr>
+            <a:endParaRPr lang="en-US" sz="1600" dirty="0">
+              <a:latin typeface="Courier"/>
+              <a:cs typeface="Courier"/>
+            </a:endParaRPr>
+          </a:p>
+        </p:txBody>
+      </p:sp>
+      <p:sp>
+        <p:nvSpPr>
+          <p:cNvPr id="2" name="TextBox 1"/>
+          <p:cNvSpPr txBox="1"/>
+          <p:nvPr/>
+        </p:nvSpPr>
+        <p:spPr>
+          <a:xfrm>
+            <a:off x="4724401" y="5587999"/>
+            <a:ext cx="3177070" cy="707886"/>
+          </a:xfrm>
+          <a:prstGeom prst="rect">
+            <a:avLst/>
+          </a:prstGeom>
+          <a:noFill/>
+        </p:spPr>
+        <p:txBody>
+          <a:bodyPr wrap="square" rtlCol="0">
+            <a:spAutoFit/>
+          </a:bodyPr>
+          <a:lstStyle/>
+          <a:p>
+            <a:r>
+              <a:rPr lang="en-US" sz="2000" dirty="0" err="1">
+                <a:latin typeface="Courier"/>
+                <a:cs typeface="Courier"/>
+              </a:rPr>
+              <a:t>threetimes</a:t>
+            </a:r>
+            <a:r>
+              <a:rPr lang="en-US" sz="2000" dirty="0">
+                <a:latin typeface="Courier"/>
+                <a:cs typeface="Courier"/>
+              </a:rPr>
+              <a:t>(6)</a:t>
+            </a:r>
+          </a:p>
+          <a:p>
+            <a:r>
+              <a:rPr lang="en-US" sz="2000" dirty="0" err="1">
+                <a:latin typeface="Courier"/>
+                <a:cs typeface="Courier"/>
+              </a:rPr>
+              <a:t>threetimes</a:t>
+            </a:r>
+            <a:r>
+              <a:rPr lang="en-US" sz="2000" dirty="0">
+                <a:latin typeface="Courier"/>
+                <a:cs typeface="Courier"/>
+              </a:rPr>
+              <a:t>(29)</a:t>
+            </a:r>
+          </a:p>
+        </p:txBody>
+      </p:sp>
+    </p:spTree>
+    <p:extLst>
+      <p:ext uri="{BB962C8B-B14F-4D97-AF65-F5344CB8AC3E}">
+        <p14:creationId xmlns:p14="http://schemas.microsoft.com/office/powerpoint/2010/main" val="3683186671"/>
+      </p:ext>
+    </p:extLst>
+  </p:cSld>
+  <p:clrMapOvr>
+    <a:masterClrMapping/>
+  </p:clrMapOvr>
+</p:sld>
+</file>
+
+<file path=ppt/slides/slide31.xml><?xml version="1.0" encoding="utf-8"?>
+<p:sld xmlns:a="http://schemas.openxmlformats.org/drawingml/2006/main" xmlns:r="http://schemas.openxmlformats.org/officeDocument/2006/relationships" xmlns:p="http://schemas.openxmlformats.org/presentationml/2006/main">
+  <p:cSld>
+    <p:spTree>
+      <p:nvGrpSpPr>
+        <p:cNvPr id="1" name=""/>
+        <p:cNvGrpSpPr/>
+        <p:nvPr/>
+      </p:nvGrpSpPr>
+      <p:grpSpPr>
+        <a:xfrm>
+          <a:off x="0" y="0"/>
+          <a:ext cx="0" cy="0"/>
+          <a:chOff x="0" y="0"/>
+          <a:chExt cx="0" cy="0"/>
+        </a:xfrm>
+      </p:grpSpPr>
+      <p:sp>
+        <p:nvSpPr>
+          <p:cNvPr id="2" name="Title 1"/>
+          <p:cNvSpPr>
+            <a:spLocks noGrp="1"/>
+          </p:cNvSpPr>
+          <p:nvPr>
+            <p:ph type="title"/>
+          </p:nvPr>
+        </p:nvSpPr>
+        <p:spPr/>
+        <p:txBody>
+          <a:bodyPr/>
+          <a:lstStyle/>
+          <a:p>
+            <a:r>
+              <a:rPr lang="en-US" dirty="0"/>
+              <a:t>Problem</a:t>
+            </a:r>
+          </a:p>
+        </p:txBody>
+      </p:sp>
+      <p:sp>
+        <p:nvSpPr>
+          <p:cNvPr id="3" name="Content Placeholder 2"/>
+          <p:cNvSpPr>
+            <a:spLocks noGrp="1"/>
+          </p:cNvSpPr>
+          <p:nvPr>
+            <p:ph idx="1"/>
+          </p:nvPr>
+        </p:nvSpPr>
+        <p:spPr>
+          <a:xfrm>
+            <a:off x="457200" y="1086301"/>
+            <a:ext cx="8229600" cy="1282124"/>
+          </a:xfrm>
+        </p:spPr>
+        <p:txBody>
+          <a:bodyPr/>
+          <a:lstStyle/>
+          <a:p>
+            <a:pPr marL="0" indent="0">
+              <a:buNone/>
+            </a:pPr>
+            <a:r>
+              <a:rPr lang="en-US" dirty="0"/>
+              <a:t>Write a function to randomly select a gift for yourself from a gift store on the valentine's day and output the result as:</a:t>
+            </a:r>
+          </a:p>
+          <a:p>
+            <a:pPr marL="0" indent="0">
+              <a:buNone/>
+            </a:pPr>
+            <a:r>
+              <a:rPr lang="en-US" dirty="0"/>
+              <a:t>"Here is my Valentine's surprise: xxx"</a:t>
+            </a:r>
+          </a:p>
+        </p:txBody>
+      </p:sp>
+      <p:sp>
+        <p:nvSpPr>
+          <p:cNvPr id="4" name="TextBox 3"/>
+          <p:cNvSpPr txBox="1"/>
+          <p:nvPr/>
+        </p:nvSpPr>
+        <p:spPr>
+          <a:xfrm>
+            <a:off x="546100" y="2882900"/>
+            <a:ext cx="7928673" cy="2554545"/>
+          </a:xfrm>
+          <a:prstGeom prst="rect">
+            <a:avLst/>
+          </a:prstGeom>
+          <a:noFill/>
+        </p:spPr>
+        <p:txBody>
+          <a:bodyPr wrap="none" rtlCol="0">
+            <a:spAutoFit/>
+          </a:bodyPr>
+          <a:lstStyle/>
+          <a:p>
+            <a:r>
+              <a:rPr lang="en-US" sz="2000" dirty="0"/>
+              <a:t># example store gifts</a:t>
+            </a:r>
+          </a:p>
+          <a:p>
+            <a:r>
+              <a:rPr lang="en-US" sz="2000" dirty="0"/>
+              <a:t>store &lt;- c("chocolate", "rose", "diamond", "</a:t>
+            </a:r>
+            <a:r>
+              <a:rPr lang="en-US" sz="2000" dirty="0" err="1"/>
+              <a:t>iphone</a:t>
+            </a:r>
+            <a:r>
+              <a:rPr lang="en-US" sz="2000" dirty="0"/>
+              <a:t>", "</a:t>
+            </a:r>
+            <a:r>
+              <a:rPr lang="en-US" sz="2000" dirty="0" err="1"/>
+              <a:t>nanopore</a:t>
+            </a:r>
+            <a:r>
+              <a:rPr lang="en-US" sz="2000" dirty="0"/>
+              <a:t> </a:t>
+            </a:r>
+            <a:r>
+              <a:rPr lang="en-US" sz="2000" dirty="0" err="1"/>
+              <a:t>flowcells</a:t>
+            </a:r>
+            <a:r>
+              <a:rPr lang="en-US" sz="2000" dirty="0"/>
+              <a:t>")</a:t>
+            </a:r>
+          </a:p>
+          <a:p>
+            <a:endParaRPr lang="en-US" sz="2000" dirty="0"/>
+          </a:p>
+          <a:p>
+            <a:r>
+              <a:rPr lang="en-US" sz="2000" dirty="0"/>
+              <a:t># randomly select</a:t>
+            </a:r>
+          </a:p>
+          <a:p>
+            <a:r>
+              <a:rPr lang="en-US" sz="2000" dirty="0"/>
+              <a:t>sample</a:t>
+            </a:r>
+          </a:p>
+          <a:p>
+            <a:endParaRPr lang="en-US" sz="2000" dirty="0"/>
+          </a:p>
+          <a:p>
+            <a:r>
+              <a:rPr lang="en-US" sz="2000" dirty="0"/>
+              <a:t># print</a:t>
+            </a:r>
+          </a:p>
+          <a:p>
+            <a:r>
+              <a:rPr lang="en-US" sz="2000" dirty="0"/>
+              <a:t>cat or print</a:t>
+            </a:r>
+          </a:p>
+        </p:txBody>
+      </p:sp>
+    </p:spTree>
+    <p:extLst>
+      <p:ext uri="{BB962C8B-B14F-4D97-AF65-F5344CB8AC3E}">
+        <p14:creationId xmlns:p14="http://schemas.microsoft.com/office/powerpoint/2010/main" val="2223933102"/>
+      </p:ext>
+    </p:extLst>
+  </p:cSld>
+  <p:clrMapOvr>
+    <a:masterClrMapping/>
+  </p:clrMapOvr>
+</p:sld>
+</file>
+
+<file path=ppt/slides/slide32.xml><?xml version="1.0" encoding="utf-8"?>
+<p:sld xmlns:a="http://schemas.openxmlformats.org/drawingml/2006/main" xmlns:r="http://schemas.openxmlformats.org/officeDocument/2006/relationships" xmlns:p="http://schemas.openxmlformats.org/presentationml/2006/main">
+  <p:cSld>
+    <p:spTree>
+      <p:nvGrpSpPr>
+        <p:cNvPr id="1" name=""/>
+        <p:cNvGrpSpPr/>
+        <p:nvPr/>
+      </p:nvGrpSpPr>
+      <p:grpSpPr>
+        <a:xfrm>
+          <a:off x="0" y="0"/>
+          <a:ext cx="0" cy="0"/>
+          <a:chOff x="0" y="0"/>
+          <a:chExt cx="0" cy="0"/>
+        </a:xfrm>
+      </p:grpSpPr>
+      <p:sp>
+        <p:nvSpPr>
+          <p:cNvPr id="2" name="Title 1"/>
+          <p:cNvSpPr>
+            <a:spLocks noGrp="1"/>
+          </p:cNvSpPr>
+          <p:nvPr>
+            <p:ph type="title"/>
+          </p:nvPr>
+        </p:nvSpPr>
+        <p:spPr/>
+        <p:txBody>
+          <a:bodyPr/>
+          <a:lstStyle/>
+          <a:p>
+            <a:r>
+              <a:rPr lang="en-US" dirty="0"/>
+              <a:t>Data</a:t>
+            </a:r>
+          </a:p>
+        </p:txBody>
+      </p:sp>
+      <p:sp>
+        <p:nvSpPr>
+          <p:cNvPr id="3" name="Content Placeholder 2"/>
+          <p:cNvSpPr>
+            <a:spLocks noGrp="1"/>
+          </p:cNvSpPr>
+          <p:nvPr>
+            <p:ph idx="1"/>
+          </p:nvPr>
+        </p:nvSpPr>
+        <p:spPr>
+          <a:xfrm>
+            <a:off x="1003300" y="1615204"/>
+            <a:ext cx="7112000" cy="3807696"/>
           </a:xfrm>
         </p:spPr>
         <p:txBody>
@@ -10576,88 +11066,2415 @@
           </a:bodyPr>
           <a:lstStyle/>
           <a:p>
-            <a:r>
-              <a:rPr lang="en-US" sz="3200" dirty="0"/>
-              <a:t>help(</a:t>
-            </a:r>
-            <a:r>
-              <a:rPr lang="en-US" sz="3200" dirty="0" err="1"/>
-              <a:t>nchar</a:t>
-            </a:r>
-            <a:r>
-              <a:rPr lang="en-US" sz="3200" dirty="0"/>
-              <a:t>)</a:t>
-            </a:r>
-          </a:p>
-          <a:p>
-            <a:r>
-              <a:rPr lang="en-US" sz="3200" dirty="0"/>
-              <a:t>?</a:t>
-            </a:r>
-            <a:r>
-              <a:rPr lang="en-US" sz="3200" dirty="0" err="1"/>
-              <a:t>nchar</a:t>
-            </a:r>
-            <a:endParaRPr lang="en-US" sz="3200" dirty="0"/>
-          </a:p>
-          <a:p>
-            <a:r>
-              <a:rPr lang="en-US" sz="3200" dirty="0"/>
-              <a:t>??</a:t>
-            </a:r>
-            <a:r>
-              <a:rPr lang="en-US" sz="3200" dirty="0" err="1"/>
-              <a:t>colsum</a:t>
-            </a:r>
-            <a:endParaRPr lang="en-US" sz="3200" dirty="0"/>
-          </a:p>
-          <a:p>
-            <a:endParaRPr lang="en-US" sz="3200" dirty="0"/>
-          </a:p>
-          <a:p>
-            <a:r>
-              <a:rPr lang="en-US" sz="3200" dirty="0">
-                <a:hlinkClick r:id="rId3"/>
-              </a:rPr>
-              <a:t>R reference card</a:t>
-            </a:r>
-            <a:endParaRPr lang="en-US" sz="3200" dirty="0"/>
-          </a:p>
-        </p:txBody>
-      </p:sp>
-      <p:sp>
-        <p:nvSpPr>
-          <p:cNvPr id="2" name="Slide Number Placeholder 1">
-            <a:extLst>
-              <a:ext uri="{FF2B5EF4-FFF2-40B4-BE49-F238E27FC236}">
-                <a16:creationId xmlns:a16="http://schemas.microsoft.com/office/drawing/2014/main" id="{50D1C506-14EE-4E42-893C-A93A77318EDF}"/>
-              </a:ext>
-            </a:extLst>
-          </p:cNvPr>
-          <p:cNvSpPr>
-            <a:spLocks noGrp="1"/>
-          </p:cNvSpPr>
-          <p:nvPr>
-            <p:ph type="sldNum" sz="quarter" idx="12"/>
-          </p:nvPr>
-        </p:nvSpPr>
-        <p:spPr/>
-        <p:txBody>
-          <a:bodyPr/>
-          <a:lstStyle/>
-          <a:p>
-            <a:fld id="{9DA039C4-C5F2-1743-BB7A-5D831266C61E}" type="slidenum">
-              <a:rPr lang="en-US" smtClean="0"/>
-              <a:t>30</a:t>
-            </a:fld>
-            <a:endParaRPr lang="en-US"/>
+            <a:pPr marL="0" indent="0">
+              <a:buNone/>
+            </a:pPr>
+            <a:r>
+              <a:rPr lang="en-US" sz="2800" dirty="0"/>
+              <a:t>Sequence quality scores from three platforms</a:t>
+            </a:r>
+          </a:p>
+          <a:p>
+            <a:pPr marL="0" indent="0">
+              <a:buNone/>
+            </a:pPr>
+            <a:endParaRPr lang="en-US" sz="2800" dirty="0"/>
+          </a:p>
+          <a:p>
+            <a:pPr marL="514350" indent="-514350">
+              <a:buFont typeface="+mj-lt"/>
+              <a:buAutoNum type="arabicPeriod"/>
+            </a:pPr>
+            <a:r>
+              <a:rPr lang="en-US" sz="2800" dirty="0" err="1"/>
+              <a:t>Illumina</a:t>
+            </a:r>
+            <a:endParaRPr lang="en-US" sz="2800" dirty="0"/>
+          </a:p>
+          <a:p>
+            <a:pPr marL="514350" indent="-514350">
+              <a:buFont typeface="+mj-lt"/>
+              <a:buAutoNum type="arabicPeriod"/>
+            </a:pPr>
+            <a:r>
+              <a:rPr lang="en-US" sz="2800" dirty="0"/>
+              <a:t>Ion Torrent (Proton)</a:t>
+            </a:r>
+          </a:p>
+          <a:p>
+            <a:pPr marL="514350" indent="-514350">
+              <a:buFont typeface="+mj-lt"/>
+              <a:buAutoNum type="arabicPeriod"/>
+            </a:pPr>
+            <a:r>
+              <a:rPr lang="en-US" sz="2800" dirty="0" err="1"/>
+              <a:t>PacBio</a:t>
+            </a:r>
+            <a:endParaRPr lang="en-US" sz="2800" dirty="0"/>
+          </a:p>
+          <a:p>
+            <a:pPr marL="514350" indent="-514350">
+              <a:buFont typeface="+mj-lt"/>
+              <a:buAutoNum type="arabicPeriod"/>
+            </a:pPr>
+            <a:endParaRPr lang="en-US" sz="2800" dirty="0"/>
+          </a:p>
+          <a:p>
+            <a:pPr marL="0" indent="0">
+              <a:buNone/>
+            </a:pPr>
+            <a:r>
+              <a:rPr lang="en-US" sz="2800" dirty="0"/>
+              <a:t>Data file: </a:t>
+            </a:r>
+            <a:r>
+              <a:rPr lang="en-US" sz="2800" dirty="0" err="1"/>
+              <a:t>quality.txt</a:t>
+            </a:r>
+            <a:endParaRPr lang="en-US" sz="2800" dirty="0"/>
           </a:p>
         </p:txBody>
       </p:sp>
     </p:spTree>
     <p:extLst>
       <p:ext uri="{BB962C8B-B14F-4D97-AF65-F5344CB8AC3E}">
-        <p14:creationId xmlns:p14="http://schemas.microsoft.com/office/powerpoint/2010/main" val="2200856350"/>
+        <p14:creationId xmlns:p14="http://schemas.microsoft.com/office/powerpoint/2010/main" val="3079500142"/>
+      </p:ext>
+    </p:extLst>
+  </p:cSld>
+  <p:clrMapOvr>
+    <a:masterClrMapping/>
+  </p:clrMapOvr>
+</p:sld>
+</file>
+
+<file path=ppt/slides/slide33.xml><?xml version="1.0" encoding="utf-8"?>
+<p:sld xmlns:a="http://schemas.openxmlformats.org/drawingml/2006/main" xmlns:r="http://schemas.openxmlformats.org/officeDocument/2006/relationships" xmlns:p="http://schemas.openxmlformats.org/presentationml/2006/main">
+  <p:cSld>
+    <p:spTree>
+      <p:nvGrpSpPr>
+        <p:cNvPr id="1" name=""/>
+        <p:cNvGrpSpPr/>
+        <p:nvPr/>
+      </p:nvGrpSpPr>
+      <p:grpSpPr>
+        <a:xfrm>
+          <a:off x="0" y="0"/>
+          <a:ext cx="0" cy="0"/>
+          <a:chOff x="0" y="0"/>
+          <a:chExt cx="0" cy="0"/>
+        </a:xfrm>
+      </p:grpSpPr>
+      <p:sp>
+        <p:nvSpPr>
+          <p:cNvPr id="2" name="Title 1"/>
+          <p:cNvSpPr>
+            <a:spLocks noGrp="1"/>
+          </p:cNvSpPr>
+          <p:nvPr>
+            <p:ph type="title"/>
+          </p:nvPr>
+        </p:nvSpPr>
+        <p:spPr/>
+        <p:txBody>
+          <a:bodyPr/>
+          <a:lstStyle/>
+          <a:p>
+            <a:r>
+              <a:rPr lang="en-US" dirty="0"/>
+              <a:t>Data importing</a:t>
+            </a:r>
+          </a:p>
+        </p:txBody>
+      </p:sp>
+      <p:sp>
+        <p:nvSpPr>
+          <p:cNvPr id="3" name="Content Placeholder 2"/>
+          <p:cNvSpPr>
+            <a:spLocks noGrp="1"/>
+          </p:cNvSpPr>
+          <p:nvPr>
+            <p:ph idx="1"/>
+          </p:nvPr>
+        </p:nvSpPr>
+        <p:spPr>
+          <a:xfrm>
+            <a:off x="457200" y="1880752"/>
+            <a:ext cx="8420100" cy="3999348"/>
+          </a:xfrm>
+        </p:spPr>
+        <p:txBody>
+          <a:bodyPr>
+            <a:normAutofit/>
+          </a:bodyPr>
+          <a:lstStyle/>
+          <a:p>
+            <a:pPr marL="0" indent="0">
+              <a:buNone/>
+            </a:pPr>
+            <a:r>
+              <a:rPr lang="it-IT" dirty="0" err="1"/>
+              <a:t>data.url</a:t>
+            </a:r>
+            <a:r>
+              <a:rPr lang="it-IT" dirty="0"/>
+              <a:t> &lt;- "</a:t>
+            </a:r>
+            <a:r>
+              <a:rPr lang="it-IT" sz="1000" dirty="0" err="1"/>
+              <a:t>https</a:t>
+            </a:r>
+            <a:r>
+              <a:rPr lang="it-IT" sz="1000" dirty="0"/>
+              <a:t>://</a:t>
+            </a:r>
+            <a:r>
+              <a:rPr lang="it-IT" sz="1000" dirty="0" err="1"/>
+              <a:t>raw.githubusercontent.com</a:t>
+            </a:r>
+            <a:r>
+              <a:rPr lang="it-IT" sz="1000" dirty="0"/>
+              <a:t>/liu3zhenlab/</a:t>
+            </a:r>
+            <a:r>
+              <a:rPr lang="it-IT" sz="1000" dirty="0" err="1"/>
+              <a:t>teaching</a:t>
+            </a:r>
+            <a:r>
+              <a:rPr lang="it-IT" sz="1000" dirty="0"/>
+              <a:t>/master/PLPTH813Bioinformatis/2021/data/</a:t>
+            </a:r>
+            <a:r>
+              <a:rPr lang="it-IT" sz="1000" dirty="0" err="1"/>
+              <a:t>quality.txt</a:t>
+            </a:r>
+            <a:r>
+              <a:rPr lang="it-IT" dirty="0"/>
+              <a:t>"</a:t>
+            </a:r>
+          </a:p>
+          <a:p>
+            <a:pPr marL="0" indent="0">
+              <a:buNone/>
+            </a:pPr>
+            <a:endParaRPr lang="it-IT" dirty="0"/>
+          </a:p>
+          <a:p>
+            <a:pPr marL="0" indent="0">
+              <a:buNone/>
+            </a:pPr>
+            <a:r>
+              <a:rPr lang="it-IT" dirty="0"/>
+              <a:t>qual0 &lt;- </a:t>
+            </a:r>
+            <a:r>
+              <a:rPr lang="it-IT" dirty="0" err="1"/>
+              <a:t>read.delim</a:t>
+            </a:r>
+            <a:r>
+              <a:rPr lang="it-IT" dirty="0"/>
+              <a:t>(</a:t>
+            </a:r>
+            <a:r>
+              <a:rPr lang="it-IT" dirty="0" err="1"/>
+              <a:t>data.url</a:t>
+            </a:r>
+            <a:r>
+              <a:rPr lang="it-IT" dirty="0"/>
+              <a:t>)</a:t>
+            </a:r>
+            <a:endParaRPr lang="en-US" dirty="0"/>
+          </a:p>
+          <a:p>
+            <a:pPr marL="0" indent="0">
+              <a:buNone/>
+            </a:pPr>
+            <a:endParaRPr lang="it-IT" dirty="0"/>
+          </a:p>
+          <a:p>
+            <a:pPr marL="0" indent="0">
+              <a:buNone/>
+            </a:pPr>
+            <a:r>
+              <a:rPr lang="it-IT" dirty="0"/>
+              <a:t>qual &lt;- </a:t>
+            </a:r>
+            <a:r>
+              <a:rPr lang="it-IT" dirty="0" err="1"/>
+              <a:t>read.delim</a:t>
+            </a:r>
+            <a:r>
+              <a:rPr lang="it-IT" dirty="0"/>
+              <a:t>(</a:t>
+            </a:r>
+            <a:r>
+              <a:rPr lang="it-IT" dirty="0" err="1"/>
+              <a:t>data.url</a:t>
+            </a:r>
+            <a:r>
+              <a:rPr lang="it-IT" dirty="0"/>
+              <a:t>, </a:t>
+            </a:r>
+            <a:r>
+              <a:rPr lang="it-IT" dirty="0" err="1"/>
+              <a:t>sep</a:t>
+            </a:r>
+            <a:r>
+              <a:rPr lang="it-IT" dirty="0"/>
+              <a:t>="\t", </a:t>
+            </a:r>
+            <a:r>
+              <a:rPr lang="it-IT" dirty="0" err="1"/>
+              <a:t>comment.char</a:t>
+            </a:r>
+            <a:r>
+              <a:rPr lang="it-IT" dirty="0"/>
+              <a:t>="~",</a:t>
+            </a:r>
+          </a:p>
+          <a:p>
+            <a:pPr marL="0" indent="0">
+              <a:buNone/>
+            </a:pPr>
+            <a:r>
+              <a:rPr lang="it-IT" dirty="0"/>
+              <a:t>                   </a:t>
+            </a:r>
+            <a:r>
+              <a:rPr lang="it-IT" dirty="0" err="1"/>
+              <a:t>nrow</a:t>
+            </a:r>
+            <a:r>
+              <a:rPr lang="it-IT" dirty="0"/>
+              <a:t>=3, </a:t>
+            </a:r>
+            <a:r>
+              <a:rPr lang="it-IT" dirty="0" err="1"/>
+              <a:t>as.is</a:t>
+            </a:r>
+            <a:r>
+              <a:rPr lang="it-IT" dirty="0"/>
+              <a:t>=T, </a:t>
+            </a:r>
+            <a:r>
+              <a:rPr lang="it-IT" dirty="0" err="1"/>
+              <a:t>stringsAsFactors</a:t>
+            </a:r>
+            <a:r>
+              <a:rPr lang="it-IT" dirty="0"/>
+              <a:t>=</a:t>
+            </a:r>
+            <a:r>
+              <a:rPr lang="it-IT" dirty="0" err="1"/>
+              <a:t>F</a:t>
+            </a:r>
+            <a:r>
+              <a:rPr lang="it-IT" dirty="0"/>
+              <a:t>, quote="~")</a:t>
+            </a:r>
+            <a:endParaRPr lang="en-US" dirty="0"/>
+          </a:p>
+        </p:txBody>
+      </p:sp>
+    </p:spTree>
+    <p:extLst>
+      <p:ext uri="{BB962C8B-B14F-4D97-AF65-F5344CB8AC3E}">
+        <p14:creationId xmlns:p14="http://schemas.microsoft.com/office/powerpoint/2010/main" val="3382513969"/>
+      </p:ext>
+    </p:extLst>
+  </p:cSld>
+  <p:clrMapOvr>
+    <a:masterClrMapping/>
+  </p:clrMapOvr>
+</p:sld>
+</file>
+
+<file path=ppt/slides/slide34.xml><?xml version="1.0" encoding="utf-8"?>
+<p:sld xmlns:a="http://schemas.openxmlformats.org/drawingml/2006/main" xmlns:r="http://schemas.openxmlformats.org/officeDocument/2006/relationships" xmlns:p="http://schemas.openxmlformats.org/presentationml/2006/main">
+  <p:cSld>
+    <p:spTree>
+      <p:nvGrpSpPr>
+        <p:cNvPr id="1" name=""/>
+        <p:cNvGrpSpPr/>
+        <p:nvPr/>
+      </p:nvGrpSpPr>
+      <p:grpSpPr>
+        <a:xfrm>
+          <a:off x="0" y="0"/>
+          <a:ext cx="0" cy="0"/>
+          <a:chOff x="0" y="0"/>
+          <a:chExt cx="0" cy="0"/>
+        </a:xfrm>
+      </p:grpSpPr>
+      <p:sp>
+        <p:nvSpPr>
+          <p:cNvPr id="2" name="Title 1"/>
+          <p:cNvSpPr>
+            <a:spLocks noGrp="1"/>
+          </p:cNvSpPr>
+          <p:nvPr>
+            <p:ph type="title"/>
+          </p:nvPr>
+        </p:nvSpPr>
+        <p:spPr/>
+        <p:txBody>
+          <a:bodyPr/>
+          <a:lstStyle/>
+          <a:p>
+            <a:r>
+              <a:rPr lang="en-US" dirty="0"/>
+              <a:t>Data checking</a:t>
+            </a:r>
+          </a:p>
+        </p:txBody>
+      </p:sp>
+      <p:sp>
+        <p:nvSpPr>
+          <p:cNvPr id="3" name="Content Placeholder 2"/>
+          <p:cNvSpPr>
+            <a:spLocks noGrp="1"/>
+          </p:cNvSpPr>
+          <p:nvPr>
+            <p:ph idx="1"/>
+          </p:nvPr>
+        </p:nvSpPr>
+        <p:spPr>
+          <a:xfrm>
+            <a:off x="2616200" y="1728352"/>
+            <a:ext cx="4406900" cy="3580824"/>
+          </a:xfrm>
+        </p:spPr>
+        <p:txBody>
+          <a:bodyPr>
+            <a:normAutofit/>
+          </a:bodyPr>
+          <a:lstStyle/>
+          <a:p>
+            <a:pPr marL="0" indent="0">
+              <a:lnSpc>
+                <a:spcPct val="120000"/>
+              </a:lnSpc>
+              <a:buNone/>
+            </a:pPr>
+            <a:r>
+              <a:rPr lang="en-US" sz="2800" dirty="0" err="1"/>
+              <a:t>qual</a:t>
+            </a:r>
+            <a:endParaRPr lang="en-US" sz="2800" dirty="0"/>
+          </a:p>
+          <a:p>
+            <a:pPr marL="0" indent="0">
+              <a:lnSpc>
+                <a:spcPct val="120000"/>
+              </a:lnSpc>
+              <a:buNone/>
+            </a:pPr>
+            <a:r>
+              <a:rPr lang="en-US" sz="2800" dirty="0" err="1"/>
+              <a:t>nrow</a:t>
+            </a:r>
+            <a:r>
+              <a:rPr lang="en-US" sz="2800" dirty="0"/>
+              <a:t>(</a:t>
+            </a:r>
+            <a:r>
+              <a:rPr lang="en-US" sz="2800" dirty="0" err="1"/>
+              <a:t>qual</a:t>
+            </a:r>
+            <a:r>
+              <a:rPr lang="en-US" sz="2800" dirty="0"/>
+              <a:t>)</a:t>
+            </a:r>
+          </a:p>
+          <a:p>
+            <a:pPr marL="0" indent="0">
+              <a:lnSpc>
+                <a:spcPct val="120000"/>
+              </a:lnSpc>
+              <a:buNone/>
+            </a:pPr>
+            <a:r>
+              <a:rPr lang="en-US" sz="2800" dirty="0"/>
+              <a:t>dim(</a:t>
+            </a:r>
+            <a:r>
+              <a:rPr lang="en-US" sz="2800" dirty="0" err="1"/>
+              <a:t>qual</a:t>
+            </a:r>
+            <a:r>
+              <a:rPr lang="en-US" sz="2800" dirty="0"/>
+              <a:t>)</a:t>
+            </a:r>
+          </a:p>
+          <a:p>
+            <a:pPr marL="0" indent="0">
+              <a:lnSpc>
+                <a:spcPct val="120000"/>
+              </a:lnSpc>
+              <a:buNone/>
+            </a:pPr>
+            <a:r>
+              <a:rPr lang="en-US" sz="2800" dirty="0" err="1"/>
+              <a:t>colnames</a:t>
+            </a:r>
+            <a:r>
+              <a:rPr lang="en-US" sz="2800" dirty="0"/>
+              <a:t>(</a:t>
+            </a:r>
+            <a:r>
+              <a:rPr lang="en-US" sz="2800" dirty="0" err="1"/>
+              <a:t>qual</a:t>
+            </a:r>
+            <a:r>
+              <a:rPr lang="en-US" sz="2800" dirty="0"/>
+              <a:t>)</a:t>
+            </a:r>
+          </a:p>
+          <a:p>
+            <a:pPr marL="0" indent="0">
+              <a:lnSpc>
+                <a:spcPct val="120000"/>
+              </a:lnSpc>
+              <a:buNone/>
+            </a:pPr>
+            <a:r>
+              <a:rPr lang="en-US" sz="2800" dirty="0" err="1"/>
+              <a:t>nchar</a:t>
+            </a:r>
+            <a:r>
+              <a:rPr lang="en-US" sz="2800" dirty="0"/>
+              <a:t>(</a:t>
+            </a:r>
+            <a:r>
+              <a:rPr lang="en-US" sz="2800" dirty="0" err="1"/>
+              <a:t>qual$Quality</a:t>
+            </a:r>
+            <a:r>
+              <a:rPr lang="en-US" sz="2800" dirty="0"/>
+              <a:t>)</a:t>
+            </a:r>
+          </a:p>
+        </p:txBody>
+      </p:sp>
+    </p:spTree>
+    <p:extLst>
+      <p:ext uri="{BB962C8B-B14F-4D97-AF65-F5344CB8AC3E}">
+        <p14:creationId xmlns:p14="http://schemas.microsoft.com/office/powerpoint/2010/main" val="3252700762"/>
+      </p:ext>
+    </p:extLst>
+  </p:cSld>
+  <p:clrMapOvr>
+    <a:masterClrMapping/>
+  </p:clrMapOvr>
+</p:sld>
+</file>
+
+<file path=ppt/slides/slide35.xml><?xml version="1.0" encoding="utf-8"?>
+<p:sld xmlns:a="http://schemas.openxmlformats.org/drawingml/2006/main" xmlns:r="http://schemas.openxmlformats.org/officeDocument/2006/relationships" xmlns:p="http://schemas.openxmlformats.org/presentationml/2006/main">
+  <p:cSld>
+    <p:spTree>
+      <p:nvGrpSpPr>
+        <p:cNvPr id="1" name=""/>
+        <p:cNvGrpSpPr/>
+        <p:nvPr/>
+      </p:nvGrpSpPr>
+      <p:grpSpPr>
+        <a:xfrm>
+          <a:off x="0" y="0"/>
+          <a:ext cx="0" cy="0"/>
+          <a:chOff x="0" y="0"/>
+          <a:chExt cx="0" cy="0"/>
+        </a:xfrm>
+      </p:grpSpPr>
+      <p:sp>
+        <p:nvSpPr>
+          <p:cNvPr id="2" name="Title 1"/>
+          <p:cNvSpPr>
+            <a:spLocks noGrp="1"/>
+          </p:cNvSpPr>
+          <p:nvPr>
+            <p:ph type="title"/>
+          </p:nvPr>
+        </p:nvSpPr>
+        <p:spPr/>
+        <p:txBody>
+          <a:bodyPr/>
+          <a:lstStyle/>
+          <a:p>
+            <a:r>
+              <a:rPr lang="en-US" dirty="0"/>
+              <a:t>Convert quality score to numbers</a:t>
+            </a:r>
+          </a:p>
+        </p:txBody>
+      </p:sp>
+      <p:sp>
+        <p:nvSpPr>
+          <p:cNvPr id="3" name="Content Placeholder 2"/>
+          <p:cNvSpPr>
+            <a:spLocks noGrp="1"/>
+          </p:cNvSpPr>
+          <p:nvPr>
+            <p:ph idx="1"/>
+          </p:nvPr>
+        </p:nvSpPr>
+        <p:spPr>
+          <a:xfrm>
+            <a:off x="1905001" y="5168900"/>
+            <a:ext cx="4851400" cy="1473200"/>
+          </a:xfrm>
+        </p:spPr>
+        <p:txBody>
+          <a:bodyPr>
+            <a:noAutofit/>
+          </a:bodyPr>
+          <a:lstStyle/>
+          <a:p>
+            <a:pPr marL="0" indent="0">
+              <a:buNone/>
+            </a:pPr>
+            <a:r>
+              <a:rPr lang="en-US" dirty="0" err="1"/>
+              <a:t>charToRaw</a:t>
+            </a:r>
+            <a:r>
+              <a:rPr lang="en-US" dirty="0"/>
+              <a:t>(</a:t>
+            </a:r>
+            <a:r>
+              <a:rPr lang="pl-PL" dirty="0"/>
+              <a:t>"</a:t>
+            </a:r>
+            <a:r>
+              <a:rPr lang="en-US" dirty="0"/>
+              <a:t>[</a:t>
+            </a:r>
+            <a:r>
+              <a:rPr lang="pl-PL" dirty="0"/>
+              <a:t>"</a:t>
+            </a:r>
+            <a:r>
+              <a:rPr lang="en-US" dirty="0"/>
+              <a:t>)</a:t>
+            </a:r>
+          </a:p>
+          <a:p>
+            <a:pPr marL="0" indent="0">
+              <a:buNone/>
+            </a:pPr>
+            <a:r>
+              <a:rPr lang="en-US" dirty="0" err="1"/>
+              <a:t>as.numeric</a:t>
+            </a:r>
+            <a:r>
+              <a:rPr lang="en-US" dirty="0"/>
+              <a:t>(</a:t>
+            </a:r>
+            <a:r>
+              <a:rPr lang="en-US" dirty="0" err="1"/>
+              <a:t>charToRaw</a:t>
+            </a:r>
+            <a:r>
+              <a:rPr lang="en-US" dirty="0"/>
+              <a:t>(</a:t>
+            </a:r>
+            <a:r>
+              <a:rPr lang="pl-PL" dirty="0"/>
+              <a:t>"["))</a:t>
+            </a:r>
+            <a:endParaRPr lang="en-US" dirty="0"/>
+          </a:p>
+          <a:p>
+            <a:pPr marL="0" indent="0">
+              <a:buNone/>
+            </a:pPr>
+            <a:r>
+              <a:rPr lang="en-US" dirty="0" err="1"/>
+              <a:t>charToRaw</a:t>
+            </a:r>
+            <a:r>
+              <a:rPr lang="en-US" dirty="0"/>
+              <a:t>(</a:t>
+            </a:r>
+            <a:r>
+              <a:rPr lang="en-US" dirty="0" err="1"/>
+              <a:t>as.character</a:t>
+            </a:r>
+            <a:r>
+              <a:rPr lang="en-US" dirty="0"/>
+              <a:t>(</a:t>
+            </a:r>
+            <a:r>
+              <a:rPr lang="en-US" dirty="0" err="1"/>
+              <a:t>qual</a:t>
+            </a:r>
+            <a:r>
+              <a:rPr lang="en-US" dirty="0"/>
+              <a:t>[1, 2]))</a:t>
+            </a:r>
+          </a:p>
+        </p:txBody>
+      </p:sp>
+      <p:pic>
+        <p:nvPicPr>
+          <p:cNvPr id="4" name="Picture 3"/>
+          <p:cNvPicPr>
+            <a:picLocks noChangeAspect="1"/>
+          </p:cNvPicPr>
+          <p:nvPr/>
+        </p:nvPicPr>
+        <p:blipFill>
+          <a:blip r:embed="rId2"/>
+          <a:stretch>
+            <a:fillRect/>
+          </a:stretch>
+        </p:blipFill>
+        <p:spPr>
+          <a:xfrm>
+            <a:off x="1485900" y="1205815"/>
+            <a:ext cx="5959526" cy="3963085"/>
+          </a:xfrm>
+          <a:prstGeom prst="rect">
+            <a:avLst/>
+          </a:prstGeom>
+        </p:spPr>
+      </p:pic>
+    </p:spTree>
+    <p:extLst>
+      <p:ext uri="{BB962C8B-B14F-4D97-AF65-F5344CB8AC3E}">
+        <p14:creationId xmlns:p14="http://schemas.microsoft.com/office/powerpoint/2010/main" val="2044531348"/>
+      </p:ext>
+    </p:extLst>
+  </p:cSld>
+  <p:clrMapOvr>
+    <a:masterClrMapping/>
+  </p:clrMapOvr>
+</p:sld>
+</file>
+
+<file path=ppt/slides/slide36.xml><?xml version="1.0" encoding="utf-8"?>
+<p:sld xmlns:a="http://schemas.openxmlformats.org/drawingml/2006/main" xmlns:r="http://schemas.openxmlformats.org/officeDocument/2006/relationships" xmlns:p="http://schemas.openxmlformats.org/presentationml/2006/main">
+  <p:cSld>
+    <p:spTree>
+      <p:nvGrpSpPr>
+        <p:cNvPr id="1" name=""/>
+        <p:cNvGrpSpPr/>
+        <p:nvPr/>
+      </p:nvGrpSpPr>
+      <p:grpSpPr>
+        <a:xfrm>
+          <a:off x="0" y="0"/>
+          <a:ext cx="0" cy="0"/>
+          <a:chOff x="0" y="0"/>
+          <a:chExt cx="0" cy="0"/>
+        </a:xfrm>
+      </p:grpSpPr>
+      <p:sp>
+        <p:nvSpPr>
+          <p:cNvPr id="2" name="Title 1"/>
+          <p:cNvSpPr>
+            <a:spLocks noGrp="1"/>
+          </p:cNvSpPr>
+          <p:nvPr>
+            <p:ph type="title"/>
+          </p:nvPr>
+        </p:nvSpPr>
+        <p:spPr/>
+        <p:txBody>
+          <a:bodyPr/>
+          <a:lstStyle/>
+          <a:p>
+            <a:r>
+              <a:rPr lang="en-US" dirty="0"/>
+              <a:t>Convert quality codes to quality scores</a:t>
+            </a:r>
+          </a:p>
+        </p:txBody>
+      </p:sp>
+      <p:sp>
+        <p:nvSpPr>
+          <p:cNvPr id="3" name="Content Placeholder 2"/>
+          <p:cNvSpPr>
+            <a:spLocks noGrp="1"/>
+          </p:cNvSpPr>
+          <p:nvPr>
+            <p:ph idx="1"/>
+          </p:nvPr>
+        </p:nvSpPr>
+        <p:spPr>
+          <a:xfrm>
+            <a:off x="457200" y="2553276"/>
+            <a:ext cx="8229600" cy="1485324"/>
+          </a:xfrm>
+        </p:spPr>
+        <p:txBody>
+          <a:bodyPr/>
+          <a:lstStyle/>
+          <a:p>
+            <a:pPr marL="0" indent="0">
+              <a:buNone/>
+            </a:pPr>
+            <a:r>
+              <a:rPr lang="en-US" dirty="0" err="1"/>
+              <a:t>illumina</a:t>
+            </a:r>
+            <a:r>
+              <a:rPr lang="en-US" dirty="0"/>
+              <a:t> &lt;- </a:t>
+            </a:r>
+            <a:r>
+              <a:rPr lang="en-US" dirty="0" err="1"/>
+              <a:t>as.numeric</a:t>
+            </a:r>
+            <a:r>
+              <a:rPr lang="en-US" dirty="0"/>
+              <a:t>(</a:t>
+            </a:r>
+            <a:r>
+              <a:rPr lang="en-US" dirty="0" err="1"/>
+              <a:t>charToRaw</a:t>
+            </a:r>
+            <a:r>
+              <a:rPr lang="en-US" dirty="0"/>
+              <a:t>(</a:t>
+            </a:r>
+            <a:r>
+              <a:rPr lang="en-US" dirty="0" err="1"/>
+              <a:t>as.character</a:t>
+            </a:r>
+            <a:r>
+              <a:rPr lang="en-US" dirty="0"/>
+              <a:t>(</a:t>
+            </a:r>
+            <a:r>
+              <a:rPr lang="en-US" dirty="0" err="1"/>
+              <a:t>qual</a:t>
+            </a:r>
+            <a:r>
+              <a:rPr lang="en-US" dirty="0"/>
+              <a:t>[1, 2]))) - 33</a:t>
+            </a:r>
+          </a:p>
+          <a:p>
+            <a:pPr marL="0" indent="0">
+              <a:buNone/>
+            </a:pPr>
+            <a:r>
+              <a:rPr lang="en-US" dirty="0"/>
+              <a:t>proton &lt;- </a:t>
+            </a:r>
+            <a:r>
+              <a:rPr lang="en-US" dirty="0" err="1"/>
+              <a:t>as.numeric</a:t>
+            </a:r>
+            <a:r>
+              <a:rPr lang="en-US" dirty="0"/>
+              <a:t>(</a:t>
+            </a:r>
+            <a:r>
+              <a:rPr lang="en-US" dirty="0" err="1"/>
+              <a:t>charToRaw</a:t>
+            </a:r>
+            <a:r>
+              <a:rPr lang="en-US" dirty="0"/>
+              <a:t>(</a:t>
+            </a:r>
+            <a:r>
+              <a:rPr lang="en-US" dirty="0" err="1"/>
+              <a:t>as.character</a:t>
+            </a:r>
+            <a:r>
+              <a:rPr lang="en-US" dirty="0"/>
+              <a:t>(</a:t>
+            </a:r>
+            <a:r>
+              <a:rPr lang="en-US" dirty="0" err="1"/>
+              <a:t>qual</a:t>
+            </a:r>
+            <a:r>
+              <a:rPr lang="en-US" dirty="0"/>
+              <a:t>[2, 2]))) - 33</a:t>
+            </a:r>
+          </a:p>
+          <a:p>
+            <a:pPr marL="0" indent="0">
+              <a:buNone/>
+            </a:pPr>
+            <a:r>
+              <a:rPr lang="en-US" dirty="0" err="1"/>
+              <a:t>pacbio</a:t>
+            </a:r>
+            <a:r>
+              <a:rPr lang="en-US" dirty="0"/>
+              <a:t> &lt;- </a:t>
+            </a:r>
+            <a:r>
+              <a:rPr lang="en-US" dirty="0" err="1"/>
+              <a:t>as.numeric</a:t>
+            </a:r>
+            <a:r>
+              <a:rPr lang="en-US" dirty="0"/>
+              <a:t>(</a:t>
+            </a:r>
+            <a:r>
+              <a:rPr lang="en-US" dirty="0" err="1"/>
+              <a:t>charToRaw</a:t>
+            </a:r>
+            <a:r>
+              <a:rPr lang="en-US" dirty="0"/>
+              <a:t>(</a:t>
+            </a:r>
+            <a:r>
+              <a:rPr lang="en-US" dirty="0" err="1"/>
+              <a:t>as.character</a:t>
+            </a:r>
+            <a:r>
+              <a:rPr lang="en-US" dirty="0"/>
+              <a:t>(</a:t>
+            </a:r>
+            <a:r>
+              <a:rPr lang="en-US" dirty="0" err="1"/>
+              <a:t>qual</a:t>
+            </a:r>
+            <a:r>
+              <a:rPr lang="en-US" dirty="0"/>
+              <a:t>[3, 2]))) - 33</a:t>
+            </a:r>
+          </a:p>
+          <a:p>
+            <a:pPr marL="0" indent="0">
+              <a:buNone/>
+            </a:pPr>
+            <a:endParaRPr lang="en-US" dirty="0"/>
+          </a:p>
+        </p:txBody>
+      </p:sp>
+    </p:spTree>
+    <p:extLst>
+      <p:ext uri="{BB962C8B-B14F-4D97-AF65-F5344CB8AC3E}">
+        <p14:creationId xmlns:p14="http://schemas.microsoft.com/office/powerpoint/2010/main" val="1169317205"/>
+      </p:ext>
+    </p:extLst>
+  </p:cSld>
+  <p:clrMapOvr>
+    <a:masterClrMapping/>
+  </p:clrMapOvr>
+</p:sld>
+</file>
+
+<file path=ppt/slides/slide37.xml><?xml version="1.0" encoding="utf-8"?>
+<p:sld xmlns:a="http://schemas.openxmlformats.org/drawingml/2006/main" xmlns:r="http://schemas.openxmlformats.org/officeDocument/2006/relationships" xmlns:p="http://schemas.openxmlformats.org/presentationml/2006/main">
+  <p:cSld>
+    <p:spTree>
+      <p:nvGrpSpPr>
+        <p:cNvPr id="1" name=""/>
+        <p:cNvGrpSpPr/>
+        <p:nvPr/>
+      </p:nvGrpSpPr>
+      <p:grpSpPr>
+        <a:xfrm>
+          <a:off x="0" y="0"/>
+          <a:ext cx="0" cy="0"/>
+          <a:chOff x="0" y="0"/>
+          <a:chExt cx="0" cy="0"/>
+        </a:xfrm>
+      </p:grpSpPr>
+      <p:sp>
+        <p:nvSpPr>
+          <p:cNvPr id="2" name="Title 1"/>
+          <p:cNvSpPr>
+            <a:spLocks noGrp="1"/>
+          </p:cNvSpPr>
+          <p:nvPr>
+            <p:ph type="title"/>
+          </p:nvPr>
+        </p:nvSpPr>
+        <p:spPr/>
+        <p:txBody>
+          <a:bodyPr/>
+          <a:lstStyle/>
+          <a:p>
+            <a:r>
+              <a:rPr lang="en-US" dirty="0"/>
+              <a:t>Plotting</a:t>
+            </a:r>
+          </a:p>
+        </p:txBody>
+      </p:sp>
+      <p:sp>
+        <p:nvSpPr>
+          <p:cNvPr id="3" name="Content Placeholder 2"/>
+          <p:cNvSpPr>
+            <a:spLocks noGrp="1"/>
+          </p:cNvSpPr>
+          <p:nvPr>
+            <p:ph idx="1"/>
+          </p:nvPr>
+        </p:nvSpPr>
+        <p:spPr>
+          <a:xfrm>
+            <a:off x="266700" y="1245752"/>
+            <a:ext cx="8686800" cy="5041324"/>
+          </a:xfrm>
+        </p:spPr>
+        <p:txBody>
+          <a:bodyPr>
+            <a:normAutofit/>
+          </a:bodyPr>
+          <a:lstStyle/>
+          <a:p>
+            <a:pPr marL="0" indent="0">
+              <a:buNone/>
+            </a:pPr>
+            <a:r>
+              <a:rPr lang="pl-PL" dirty="0"/>
+              <a:t>### </a:t>
+            </a:r>
+            <a:r>
+              <a:rPr lang="pl-PL" dirty="0" err="1"/>
+              <a:t>Illumina</a:t>
+            </a:r>
+            <a:r>
+              <a:rPr lang="pl-PL" dirty="0"/>
+              <a:t> </a:t>
+            </a:r>
+            <a:r>
+              <a:rPr lang="pl-PL" dirty="0" err="1"/>
+              <a:t>quality</a:t>
+            </a:r>
+            <a:endParaRPr lang="pl-PL" dirty="0"/>
+          </a:p>
+          <a:p>
+            <a:pPr marL="0" indent="0">
+              <a:buNone/>
+            </a:pPr>
+            <a:r>
+              <a:rPr lang="pl-PL" dirty="0"/>
+              <a:t>plot(1:nchar(</a:t>
+            </a:r>
+            <a:r>
+              <a:rPr lang="pl-PL" dirty="0" err="1"/>
+              <a:t>qual</a:t>
+            </a:r>
+            <a:r>
+              <a:rPr lang="pl-PL" dirty="0"/>
+              <a:t>[1, 2]), </a:t>
+            </a:r>
+            <a:r>
+              <a:rPr lang="pl-PL" dirty="0" err="1"/>
+              <a:t>illumina</a:t>
+            </a:r>
+            <a:r>
+              <a:rPr lang="pl-PL" dirty="0"/>
+              <a:t>, </a:t>
+            </a:r>
+            <a:r>
+              <a:rPr lang="pl-PL" dirty="0" err="1"/>
+              <a:t>pch</a:t>
+            </a:r>
+            <a:r>
+              <a:rPr lang="pl-PL" dirty="0"/>
+              <a:t>=19, </a:t>
+            </a:r>
+            <a:r>
+              <a:rPr lang="pl-PL" dirty="0" err="1"/>
+              <a:t>cex</a:t>
+            </a:r>
+            <a:r>
+              <a:rPr lang="pl-PL" dirty="0"/>
+              <a:t>=0.2, </a:t>
+            </a:r>
+            <a:r>
+              <a:rPr lang="pl-PL" dirty="0" err="1"/>
+              <a:t>main</a:t>
+            </a:r>
+            <a:r>
+              <a:rPr lang="pl-PL" dirty="0"/>
+              <a:t>="</a:t>
+            </a:r>
+            <a:r>
+              <a:rPr lang="pl-PL" dirty="0" err="1"/>
+              <a:t>Illumina</a:t>
+            </a:r>
+            <a:r>
+              <a:rPr lang="pl-PL" dirty="0"/>
+              <a:t>", </a:t>
+            </a:r>
+            <a:r>
+              <a:rPr lang="pl-PL" dirty="0" err="1"/>
+              <a:t>xlab</a:t>
+            </a:r>
+            <a:r>
+              <a:rPr lang="pl-PL" dirty="0"/>
+              <a:t>="</a:t>
+            </a:r>
+            <a:r>
+              <a:rPr lang="pl-PL" dirty="0" err="1"/>
+              <a:t>Pos</a:t>
+            </a:r>
+            <a:r>
+              <a:rPr lang="pl-PL" dirty="0"/>
+              <a:t> on </a:t>
+            </a:r>
+            <a:r>
+              <a:rPr lang="pl-PL" dirty="0" err="1"/>
+              <a:t>read</a:t>
+            </a:r>
+            <a:r>
+              <a:rPr lang="pl-PL" dirty="0"/>
+              <a:t>", </a:t>
+            </a:r>
+            <a:r>
+              <a:rPr lang="pl-PL" dirty="0" err="1"/>
+              <a:t>ylab</a:t>
+            </a:r>
+            <a:r>
+              <a:rPr lang="pl-PL" dirty="0"/>
+              <a:t>="</a:t>
+            </a:r>
+            <a:r>
+              <a:rPr lang="pl-PL" dirty="0" err="1"/>
+              <a:t>Quality</a:t>
+            </a:r>
+            <a:r>
+              <a:rPr lang="pl-PL" dirty="0"/>
+              <a:t>", </a:t>
+            </a:r>
+            <a:r>
+              <a:rPr lang="pl-PL" dirty="0" err="1"/>
+              <a:t>ylim</a:t>
+            </a:r>
+            <a:r>
+              <a:rPr lang="pl-PL" dirty="0"/>
+              <a:t>=c(0, 41))</a:t>
+            </a:r>
+          </a:p>
+          <a:p>
+            <a:pPr marL="0" indent="0">
+              <a:buNone/>
+            </a:pPr>
+            <a:endParaRPr lang="pl-PL" dirty="0"/>
+          </a:p>
+          <a:p>
+            <a:pPr marL="0" indent="0">
+              <a:buNone/>
+            </a:pPr>
+            <a:r>
+              <a:rPr lang="pl-PL" dirty="0"/>
+              <a:t>### Proton </a:t>
+            </a:r>
+            <a:r>
+              <a:rPr lang="pl-PL" dirty="0" err="1"/>
+              <a:t>quality</a:t>
+            </a:r>
+            <a:endParaRPr lang="pl-PL" dirty="0"/>
+          </a:p>
+          <a:p>
+            <a:pPr marL="0" indent="0">
+              <a:buNone/>
+            </a:pPr>
+            <a:r>
+              <a:rPr lang="pl-PL" dirty="0"/>
+              <a:t>plot(1:nchar(</a:t>
+            </a:r>
+            <a:r>
+              <a:rPr lang="pl-PL" dirty="0" err="1"/>
+              <a:t>qual</a:t>
+            </a:r>
+            <a:r>
+              <a:rPr lang="pl-PL" dirty="0"/>
+              <a:t>[2, 2]), proton, </a:t>
+            </a:r>
+            <a:r>
+              <a:rPr lang="pl-PL" dirty="0" err="1"/>
+              <a:t>pch</a:t>
+            </a:r>
+            <a:r>
+              <a:rPr lang="pl-PL" dirty="0"/>
+              <a:t>=19, </a:t>
+            </a:r>
+            <a:r>
+              <a:rPr lang="pl-PL" dirty="0" err="1"/>
+              <a:t>cex</a:t>
+            </a:r>
+            <a:r>
+              <a:rPr lang="pl-PL" dirty="0"/>
+              <a:t>=0.2, </a:t>
+            </a:r>
+            <a:r>
+              <a:rPr lang="pl-PL" dirty="0" err="1"/>
+              <a:t>main</a:t>
+            </a:r>
+            <a:r>
+              <a:rPr lang="pl-PL" dirty="0"/>
+              <a:t>="Proton", </a:t>
+            </a:r>
+            <a:r>
+              <a:rPr lang="pl-PL" dirty="0" err="1"/>
+              <a:t>xlab</a:t>
+            </a:r>
+            <a:r>
+              <a:rPr lang="pl-PL" dirty="0"/>
+              <a:t>="</a:t>
+            </a:r>
+            <a:r>
+              <a:rPr lang="pl-PL" dirty="0" err="1"/>
+              <a:t>Pos</a:t>
+            </a:r>
+            <a:r>
+              <a:rPr lang="pl-PL" dirty="0"/>
+              <a:t> on </a:t>
+            </a:r>
+            <a:r>
+              <a:rPr lang="pl-PL" dirty="0" err="1"/>
+              <a:t>read</a:t>
+            </a:r>
+            <a:r>
+              <a:rPr lang="pl-PL" dirty="0"/>
+              <a:t>", </a:t>
+            </a:r>
+            <a:r>
+              <a:rPr lang="pl-PL" dirty="0" err="1"/>
+              <a:t>ylab</a:t>
+            </a:r>
+            <a:r>
+              <a:rPr lang="pl-PL" dirty="0"/>
+              <a:t>="</a:t>
+            </a:r>
+            <a:r>
+              <a:rPr lang="pl-PL" dirty="0" err="1"/>
+              <a:t>Quality</a:t>
+            </a:r>
+            <a:r>
+              <a:rPr lang="pl-PL" dirty="0"/>
+              <a:t>", </a:t>
+            </a:r>
+            <a:r>
+              <a:rPr lang="pl-PL" dirty="0" err="1"/>
+              <a:t>ylim</a:t>
+            </a:r>
+            <a:r>
+              <a:rPr lang="pl-PL" dirty="0"/>
+              <a:t>=c(0, 41))</a:t>
+            </a:r>
+          </a:p>
+          <a:p>
+            <a:pPr marL="0" indent="0">
+              <a:buNone/>
+            </a:pPr>
+            <a:endParaRPr lang="pl-PL" dirty="0"/>
+          </a:p>
+          <a:p>
+            <a:pPr marL="0" indent="0">
+              <a:buNone/>
+            </a:pPr>
+            <a:r>
+              <a:rPr lang="pl-PL" dirty="0"/>
+              <a:t>### </a:t>
+            </a:r>
+            <a:r>
+              <a:rPr lang="pl-PL" dirty="0" err="1"/>
+              <a:t>PacBio</a:t>
+            </a:r>
+            <a:r>
+              <a:rPr lang="pl-PL" dirty="0"/>
+              <a:t> </a:t>
+            </a:r>
+            <a:r>
+              <a:rPr lang="pl-PL" dirty="0" err="1"/>
+              <a:t>quality</a:t>
+            </a:r>
+            <a:endParaRPr lang="pl-PL" dirty="0"/>
+          </a:p>
+          <a:p>
+            <a:pPr marL="0" indent="0">
+              <a:buNone/>
+            </a:pPr>
+            <a:r>
+              <a:rPr lang="pl-PL" dirty="0"/>
+              <a:t>plot(1:nchar(</a:t>
+            </a:r>
+            <a:r>
+              <a:rPr lang="pl-PL" dirty="0" err="1"/>
+              <a:t>qual</a:t>
+            </a:r>
+            <a:r>
+              <a:rPr lang="pl-PL" dirty="0"/>
+              <a:t>[3, 2]), </a:t>
+            </a:r>
+            <a:r>
+              <a:rPr lang="pl-PL" dirty="0" err="1"/>
+              <a:t>pacbio</a:t>
+            </a:r>
+            <a:r>
+              <a:rPr lang="pl-PL" dirty="0"/>
+              <a:t>, </a:t>
+            </a:r>
+            <a:r>
+              <a:rPr lang="pl-PL" dirty="0" err="1"/>
+              <a:t>pch</a:t>
+            </a:r>
+            <a:r>
+              <a:rPr lang="pl-PL" dirty="0"/>
+              <a:t>=19, </a:t>
+            </a:r>
+            <a:r>
+              <a:rPr lang="pl-PL" dirty="0" err="1"/>
+              <a:t>cex</a:t>
+            </a:r>
+            <a:r>
+              <a:rPr lang="pl-PL" dirty="0"/>
+              <a:t>=0.2, </a:t>
+            </a:r>
+            <a:r>
+              <a:rPr lang="pl-PL" dirty="0" err="1"/>
+              <a:t>main</a:t>
+            </a:r>
+            <a:r>
+              <a:rPr lang="pl-PL" dirty="0"/>
+              <a:t>="</a:t>
+            </a:r>
+            <a:r>
+              <a:rPr lang="pl-PL" dirty="0" err="1"/>
+              <a:t>PacBio</a:t>
+            </a:r>
+            <a:r>
+              <a:rPr lang="pl-PL" dirty="0"/>
+              <a:t>", </a:t>
+            </a:r>
+            <a:r>
+              <a:rPr lang="pl-PL" dirty="0" err="1"/>
+              <a:t>xlab</a:t>
+            </a:r>
+            <a:r>
+              <a:rPr lang="pl-PL" dirty="0"/>
+              <a:t>="</a:t>
+            </a:r>
+            <a:r>
+              <a:rPr lang="pl-PL" dirty="0" err="1"/>
+              <a:t>Pos</a:t>
+            </a:r>
+            <a:r>
+              <a:rPr lang="pl-PL" dirty="0"/>
+              <a:t> on </a:t>
+            </a:r>
+            <a:r>
+              <a:rPr lang="pl-PL" dirty="0" err="1"/>
+              <a:t>read</a:t>
+            </a:r>
+            <a:r>
+              <a:rPr lang="pl-PL" dirty="0"/>
+              <a:t>", </a:t>
+            </a:r>
+            <a:r>
+              <a:rPr lang="pl-PL" dirty="0" err="1"/>
+              <a:t>ylab</a:t>
+            </a:r>
+            <a:r>
+              <a:rPr lang="pl-PL" dirty="0"/>
+              <a:t>="</a:t>
+            </a:r>
+            <a:r>
+              <a:rPr lang="pl-PL" dirty="0" err="1"/>
+              <a:t>Quality</a:t>
+            </a:r>
+            <a:r>
+              <a:rPr lang="pl-PL" dirty="0"/>
+              <a:t>", </a:t>
+            </a:r>
+            <a:r>
+              <a:rPr lang="pl-PL" dirty="0" err="1"/>
+              <a:t>ylim</a:t>
+            </a:r>
+            <a:r>
+              <a:rPr lang="pl-PL" dirty="0"/>
+              <a:t>=c(0, 41))</a:t>
+            </a:r>
+          </a:p>
+          <a:p>
+            <a:pPr marL="0" indent="0">
+              <a:buNone/>
+            </a:pPr>
+            <a:endParaRPr lang="pl-PL" dirty="0"/>
+          </a:p>
+          <a:p>
+            <a:pPr marL="0" indent="0">
+              <a:buNone/>
+            </a:pPr>
+            <a:endParaRPr lang="en-US" dirty="0"/>
+          </a:p>
+        </p:txBody>
+      </p:sp>
+    </p:spTree>
+    <p:extLst>
+      <p:ext uri="{BB962C8B-B14F-4D97-AF65-F5344CB8AC3E}">
+        <p14:creationId xmlns:p14="http://schemas.microsoft.com/office/powerpoint/2010/main" val="1189485675"/>
+      </p:ext>
+    </p:extLst>
+  </p:cSld>
+  <p:clrMapOvr>
+    <a:masterClrMapping/>
+  </p:clrMapOvr>
+</p:sld>
+</file>
+
+<file path=ppt/slides/slide38.xml><?xml version="1.0" encoding="utf-8"?>
+<p:sld xmlns:a="http://schemas.openxmlformats.org/drawingml/2006/main" xmlns:r="http://schemas.openxmlformats.org/officeDocument/2006/relationships" xmlns:p="http://schemas.openxmlformats.org/presentationml/2006/main">
+  <p:cSld>
+    <p:spTree>
+      <p:nvGrpSpPr>
+        <p:cNvPr id="1" name=""/>
+        <p:cNvGrpSpPr/>
+        <p:nvPr/>
+      </p:nvGrpSpPr>
+      <p:grpSpPr>
+        <a:xfrm>
+          <a:off x="0" y="0"/>
+          <a:ext cx="0" cy="0"/>
+          <a:chOff x="0" y="0"/>
+          <a:chExt cx="0" cy="0"/>
+        </a:xfrm>
+      </p:grpSpPr>
+      <p:sp>
+        <p:nvSpPr>
+          <p:cNvPr id="2" name="Title 1"/>
+          <p:cNvSpPr>
+            <a:spLocks noGrp="1"/>
+          </p:cNvSpPr>
+          <p:nvPr>
+            <p:ph type="title"/>
+          </p:nvPr>
+        </p:nvSpPr>
+        <p:spPr/>
+        <p:txBody>
+          <a:bodyPr/>
+          <a:lstStyle/>
+          <a:p>
+            <a:r>
+              <a:rPr lang="en-US" dirty="0"/>
+              <a:t>Plotting three in one plot</a:t>
+            </a:r>
+          </a:p>
+        </p:txBody>
+      </p:sp>
+      <p:sp>
+        <p:nvSpPr>
+          <p:cNvPr id="3" name="Content Placeholder 2"/>
+          <p:cNvSpPr>
+            <a:spLocks noGrp="1"/>
+          </p:cNvSpPr>
+          <p:nvPr>
+            <p:ph idx="1"/>
+          </p:nvPr>
+        </p:nvSpPr>
+        <p:spPr>
+          <a:xfrm>
+            <a:off x="457200" y="1398152"/>
+            <a:ext cx="8420100" cy="5041324"/>
+          </a:xfrm>
+        </p:spPr>
+        <p:txBody>
+          <a:bodyPr>
+            <a:normAutofit fontScale="92500" lnSpcReduction="10000"/>
+          </a:bodyPr>
+          <a:lstStyle/>
+          <a:p>
+            <a:pPr marL="0" indent="0">
+              <a:buNone/>
+            </a:pPr>
+            <a:r>
+              <a:rPr lang="pl-PL" dirty="0"/>
+              <a:t>par(</a:t>
+            </a:r>
+            <a:r>
+              <a:rPr lang="pl-PL" dirty="0" err="1"/>
+              <a:t>mfrow</a:t>
+            </a:r>
+            <a:r>
+              <a:rPr lang="pl-PL" dirty="0"/>
+              <a:t>=c(1, 3))</a:t>
+            </a:r>
+          </a:p>
+          <a:p>
+            <a:pPr marL="0" indent="0">
+              <a:buNone/>
+            </a:pPr>
+            <a:endParaRPr lang="pl-PL" dirty="0"/>
+          </a:p>
+          <a:p>
+            <a:pPr marL="0" indent="0">
+              <a:buNone/>
+            </a:pPr>
+            <a:r>
+              <a:rPr lang="pl-PL" dirty="0">
+                <a:solidFill>
+                  <a:srgbClr val="7F7F7F"/>
+                </a:solidFill>
+              </a:rPr>
+              <a:t>### </a:t>
+            </a:r>
+            <a:r>
+              <a:rPr lang="pl-PL" dirty="0" err="1">
+                <a:solidFill>
+                  <a:srgbClr val="7F7F7F"/>
+                </a:solidFill>
+              </a:rPr>
+              <a:t>Illumina</a:t>
+            </a:r>
+            <a:r>
+              <a:rPr lang="pl-PL" dirty="0">
+                <a:solidFill>
+                  <a:srgbClr val="7F7F7F"/>
+                </a:solidFill>
+              </a:rPr>
+              <a:t> </a:t>
+            </a:r>
+            <a:r>
+              <a:rPr lang="pl-PL" dirty="0" err="1">
+                <a:solidFill>
+                  <a:srgbClr val="7F7F7F"/>
+                </a:solidFill>
+              </a:rPr>
+              <a:t>quality</a:t>
+            </a:r>
+            <a:endParaRPr lang="pl-PL" dirty="0">
+              <a:solidFill>
+                <a:srgbClr val="7F7F7F"/>
+              </a:solidFill>
+            </a:endParaRPr>
+          </a:p>
+          <a:p>
+            <a:pPr marL="0" indent="0">
+              <a:buNone/>
+            </a:pPr>
+            <a:r>
+              <a:rPr lang="pl-PL" dirty="0">
+                <a:solidFill>
+                  <a:srgbClr val="7F7F7F"/>
+                </a:solidFill>
+              </a:rPr>
+              <a:t>plot(1:nchar(</a:t>
+            </a:r>
+            <a:r>
+              <a:rPr lang="pl-PL" dirty="0" err="1">
+                <a:solidFill>
+                  <a:srgbClr val="7F7F7F"/>
+                </a:solidFill>
+              </a:rPr>
+              <a:t>qual</a:t>
+            </a:r>
+            <a:r>
+              <a:rPr lang="pl-PL" dirty="0">
+                <a:solidFill>
+                  <a:srgbClr val="7F7F7F"/>
+                </a:solidFill>
+              </a:rPr>
+              <a:t>[1, 2]), </a:t>
+            </a:r>
+            <a:r>
+              <a:rPr lang="pl-PL" dirty="0" err="1">
+                <a:solidFill>
+                  <a:srgbClr val="7F7F7F"/>
+                </a:solidFill>
+              </a:rPr>
+              <a:t>illumina</a:t>
+            </a:r>
+            <a:r>
+              <a:rPr lang="pl-PL" dirty="0">
+                <a:solidFill>
+                  <a:srgbClr val="7F7F7F"/>
+                </a:solidFill>
+              </a:rPr>
+              <a:t>, </a:t>
+            </a:r>
+            <a:r>
+              <a:rPr lang="pl-PL" dirty="0" err="1">
+                <a:solidFill>
+                  <a:srgbClr val="7F7F7F"/>
+                </a:solidFill>
+              </a:rPr>
+              <a:t>pch</a:t>
+            </a:r>
+            <a:r>
+              <a:rPr lang="pl-PL" dirty="0">
+                <a:solidFill>
+                  <a:srgbClr val="7F7F7F"/>
+                </a:solidFill>
+              </a:rPr>
+              <a:t>=19, </a:t>
+            </a:r>
+            <a:r>
+              <a:rPr lang="pl-PL" dirty="0" err="1">
+                <a:solidFill>
+                  <a:srgbClr val="7F7F7F"/>
+                </a:solidFill>
+              </a:rPr>
+              <a:t>cex</a:t>
+            </a:r>
+            <a:r>
+              <a:rPr lang="pl-PL" dirty="0">
+                <a:solidFill>
+                  <a:srgbClr val="7F7F7F"/>
+                </a:solidFill>
+              </a:rPr>
+              <a:t>=0.2, </a:t>
+            </a:r>
+            <a:r>
+              <a:rPr lang="pl-PL" dirty="0" err="1">
+                <a:solidFill>
+                  <a:srgbClr val="7F7F7F"/>
+                </a:solidFill>
+              </a:rPr>
+              <a:t>main</a:t>
+            </a:r>
+            <a:r>
+              <a:rPr lang="pl-PL" dirty="0">
+                <a:solidFill>
+                  <a:srgbClr val="7F7F7F"/>
+                </a:solidFill>
+              </a:rPr>
+              <a:t>="</a:t>
+            </a:r>
+            <a:r>
+              <a:rPr lang="pl-PL" dirty="0" err="1">
+                <a:solidFill>
+                  <a:srgbClr val="7F7F7F"/>
+                </a:solidFill>
+              </a:rPr>
+              <a:t>Illumina</a:t>
+            </a:r>
+            <a:r>
+              <a:rPr lang="pl-PL" dirty="0">
+                <a:solidFill>
+                  <a:srgbClr val="7F7F7F"/>
+                </a:solidFill>
+              </a:rPr>
+              <a:t>", </a:t>
+            </a:r>
+            <a:r>
+              <a:rPr lang="pl-PL" dirty="0" err="1">
+                <a:solidFill>
+                  <a:srgbClr val="7F7F7F"/>
+                </a:solidFill>
+              </a:rPr>
+              <a:t>xlab</a:t>
+            </a:r>
+            <a:r>
+              <a:rPr lang="pl-PL" dirty="0">
+                <a:solidFill>
+                  <a:srgbClr val="7F7F7F"/>
+                </a:solidFill>
+              </a:rPr>
+              <a:t>="</a:t>
+            </a:r>
+            <a:r>
+              <a:rPr lang="pl-PL" dirty="0" err="1">
+                <a:solidFill>
+                  <a:srgbClr val="7F7F7F"/>
+                </a:solidFill>
+              </a:rPr>
+              <a:t>Pos</a:t>
+            </a:r>
+            <a:r>
+              <a:rPr lang="pl-PL" dirty="0">
+                <a:solidFill>
+                  <a:srgbClr val="7F7F7F"/>
+                </a:solidFill>
+              </a:rPr>
+              <a:t> on </a:t>
+            </a:r>
+            <a:r>
+              <a:rPr lang="pl-PL" dirty="0" err="1">
+                <a:solidFill>
+                  <a:srgbClr val="7F7F7F"/>
+                </a:solidFill>
+              </a:rPr>
+              <a:t>read</a:t>
+            </a:r>
+            <a:r>
+              <a:rPr lang="pl-PL" dirty="0">
+                <a:solidFill>
+                  <a:srgbClr val="7F7F7F"/>
+                </a:solidFill>
+              </a:rPr>
+              <a:t>", </a:t>
+            </a:r>
+            <a:r>
+              <a:rPr lang="pl-PL" dirty="0" err="1">
+                <a:solidFill>
+                  <a:srgbClr val="7F7F7F"/>
+                </a:solidFill>
+              </a:rPr>
+              <a:t>ylab</a:t>
+            </a:r>
+            <a:r>
+              <a:rPr lang="pl-PL" dirty="0">
+                <a:solidFill>
+                  <a:srgbClr val="7F7F7F"/>
+                </a:solidFill>
+              </a:rPr>
+              <a:t>="</a:t>
+            </a:r>
+            <a:r>
+              <a:rPr lang="pl-PL" dirty="0" err="1">
+                <a:solidFill>
+                  <a:srgbClr val="7F7F7F"/>
+                </a:solidFill>
+              </a:rPr>
+              <a:t>Quality</a:t>
+            </a:r>
+            <a:r>
+              <a:rPr lang="pl-PL" dirty="0">
+                <a:solidFill>
+                  <a:srgbClr val="7F7F7F"/>
+                </a:solidFill>
+              </a:rPr>
+              <a:t>", </a:t>
+            </a:r>
+            <a:r>
+              <a:rPr lang="pl-PL" dirty="0" err="1">
+                <a:solidFill>
+                  <a:srgbClr val="7F7F7F"/>
+                </a:solidFill>
+              </a:rPr>
+              <a:t>ylim</a:t>
+            </a:r>
+            <a:r>
+              <a:rPr lang="pl-PL" dirty="0">
+                <a:solidFill>
+                  <a:srgbClr val="7F7F7F"/>
+                </a:solidFill>
+              </a:rPr>
+              <a:t>=c(0, 41))</a:t>
+            </a:r>
+          </a:p>
+          <a:p>
+            <a:pPr marL="0" indent="0">
+              <a:buNone/>
+            </a:pPr>
+            <a:endParaRPr lang="pl-PL" dirty="0">
+              <a:solidFill>
+                <a:srgbClr val="7F7F7F"/>
+              </a:solidFill>
+            </a:endParaRPr>
+          </a:p>
+          <a:p>
+            <a:pPr marL="0" indent="0">
+              <a:buNone/>
+            </a:pPr>
+            <a:r>
+              <a:rPr lang="pl-PL" dirty="0">
+                <a:solidFill>
+                  <a:srgbClr val="7F7F7F"/>
+                </a:solidFill>
+              </a:rPr>
+              <a:t>### Proton </a:t>
+            </a:r>
+            <a:r>
+              <a:rPr lang="pl-PL" dirty="0" err="1">
+                <a:solidFill>
+                  <a:srgbClr val="7F7F7F"/>
+                </a:solidFill>
+              </a:rPr>
+              <a:t>quality</a:t>
+            </a:r>
+            <a:endParaRPr lang="pl-PL" dirty="0">
+              <a:solidFill>
+                <a:srgbClr val="7F7F7F"/>
+              </a:solidFill>
+            </a:endParaRPr>
+          </a:p>
+          <a:p>
+            <a:pPr marL="0" indent="0">
+              <a:buNone/>
+            </a:pPr>
+            <a:r>
+              <a:rPr lang="pl-PL" dirty="0">
+                <a:solidFill>
+                  <a:srgbClr val="7F7F7F"/>
+                </a:solidFill>
+              </a:rPr>
+              <a:t>plot(1:nchar(</a:t>
+            </a:r>
+            <a:r>
+              <a:rPr lang="pl-PL" dirty="0" err="1">
+                <a:solidFill>
+                  <a:srgbClr val="7F7F7F"/>
+                </a:solidFill>
+              </a:rPr>
+              <a:t>qual</a:t>
+            </a:r>
+            <a:r>
+              <a:rPr lang="pl-PL" dirty="0">
+                <a:solidFill>
+                  <a:srgbClr val="7F7F7F"/>
+                </a:solidFill>
+              </a:rPr>
+              <a:t>[2, 2]), proton, </a:t>
+            </a:r>
+            <a:r>
+              <a:rPr lang="pl-PL" dirty="0" err="1">
+                <a:solidFill>
+                  <a:srgbClr val="7F7F7F"/>
+                </a:solidFill>
+              </a:rPr>
+              <a:t>pch</a:t>
+            </a:r>
+            <a:r>
+              <a:rPr lang="pl-PL" dirty="0">
+                <a:solidFill>
+                  <a:srgbClr val="7F7F7F"/>
+                </a:solidFill>
+              </a:rPr>
+              <a:t>=19, </a:t>
+            </a:r>
+            <a:r>
+              <a:rPr lang="pl-PL" dirty="0" err="1">
+                <a:solidFill>
+                  <a:srgbClr val="7F7F7F"/>
+                </a:solidFill>
+              </a:rPr>
+              <a:t>cex</a:t>
+            </a:r>
+            <a:r>
+              <a:rPr lang="pl-PL" dirty="0">
+                <a:solidFill>
+                  <a:srgbClr val="7F7F7F"/>
+                </a:solidFill>
+              </a:rPr>
+              <a:t>=0.2, </a:t>
+            </a:r>
+            <a:r>
+              <a:rPr lang="pl-PL" dirty="0" err="1">
+                <a:solidFill>
+                  <a:srgbClr val="7F7F7F"/>
+                </a:solidFill>
+              </a:rPr>
+              <a:t>main</a:t>
+            </a:r>
+            <a:r>
+              <a:rPr lang="pl-PL" dirty="0">
+                <a:solidFill>
+                  <a:srgbClr val="7F7F7F"/>
+                </a:solidFill>
+              </a:rPr>
+              <a:t>="Proton", </a:t>
+            </a:r>
+            <a:r>
+              <a:rPr lang="pl-PL" dirty="0" err="1">
+                <a:solidFill>
+                  <a:srgbClr val="7F7F7F"/>
+                </a:solidFill>
+              </a:rPr>
+              <a:t>xlab</a:t>
+            </a:r>
+            <a:r>
+              <a:rPr lang="pl-PL" dirty="0">
+                <a:solidFill>
+                  <a:srgbClr val="7F7F7F"/>
+                </a:solidFill>
+              </a:rPr>
+              <a:t>="</a:t>
+            </a:r>
+            <a:r>
+              <a:rPr lang="pl-PL" dirty="0" err="1">
+                <a:solidFill>
+                  <a:srgbClr val="7F7F7F"/>
+                </a:solidFill>
+              </a:rPr>
+              <a:t>Pos</a:t>
+            </a:r>
+            <a:r>
+              <a:rPr lang="pl-PL" dirty="0">
+                <a:solidFill>
+                  <a:srgbClr val="7F7F7F"/>
+                </a:solidFill>
+              </a:rPr>
+              <a:t> on </a:t>
+            </a:r>
+            <a:r>
+              <a:rPr lang="pl-PL" dirty="0" err="1">
+                <a:solidFill>
+                  <a:srgbClr val="7F7F7F"/>
+                </a:solidFill>
+              </a:rPr>
+              <a:t>read</a:t>
+            </a:r>
+            <a:r>
+              <a:rPr lang="pl-PL" dirty="0">
+                <a:solidFill>
+                  <a:srgbClr val="7F7F7F"/>
+                </a:solidFill>
+              </a:rPr>
+              <a:t>", </a:t>
+            </a:r>
+            <a:r>
+              <a:rPr lang="pl-PL" dirty="0" err="1">
+                <a:solidFill>
+                  <a:srgbClr val="7F7F7F"/>
+                </a:solidFill>
+              </a:rPr>
+              <a:t>ylab</a:t>
+            </a:r>
+            <a:r>
+              <a:rPr lang="pl-PL" dirty="0">
+                <a:solidFill>
+                  <a:srgbClr val="7F7F7F"/>
+                </a:solidFill>
+              </a:rPr>
+              <a:t>="</a:t>
+            </a:r>
+            <a:r>
+              <a:rPr lang="pl-PL" dirty="0" err="1">
+                <a:solidFill>
+                  <a:srgbClr val="7F7F7F"/>
+                </a:solidFill>
+              </a:rPr>
+              <a:t>Quality</a:t>
+            </a:r>
+            <a:r>
+              <a:rPr lang="pl-PL" dirty="0">
+                <a:solidFill>
+                  <a:srgbClr val="7F7F7F"/>
+                </a:solidFill>
+              </a:rPr>
+              <a:t>", </a:t>
+            </a:r>
+            <a:r>
+              <a:rPr lang="pl-PL" dirty="0" err="1">
+                <a:solidFill>
+                  <a:srgbClr val="7F7F7F"/>
+                </a:solidFill>
+              </a:rPr>
+              <a:t>ylim</a:t>
+            </a:r>
+            <a:r>
+              <a:rPr lang="pl-PL" dirty="0">
+                <a:solidFill>
+                  <a:srgbClr val="7F7F7F"/>
+                </a:solidFill>
+              </a:rPr>
+              <a:t>=c(0, 41))</a:t>
+            </a:r>
+          </a:p>
+          <a:p>
+            <a:pPr marL="0" indent="0">
+              <a:buNone/>
+            </a:pPr>
+            <a:endParaRPr lang="pl-PL" dirty="0">
+              <a:solidFill>
+                <a:srgbClr val="7F7F7F"/>
+              </a:solidFill>
+            </a:endParaRPr>
+          </a:p>
+          <a:p>
+            <a:pPr marL="0" indent="0">
+              <a:buNone/>
+            </a:pPr>
+            <a:r>
+              <a:rPr lang="pl-PL" dirty="0">
+                <a:solidFill>
+                  <a:srgbClr val="7F7F7F"/>
+                </a:solidFill>
+              </a:rPr>
+              <a:t>### </a:t>
+            </a:r>
+            <a:r>
+              <a:rPr lang="pl-PL" dirty="0" err="1">
+                <a:solidFill>
+                  <a:srgbClr val="7F7F7F"/>
+                </a:solidFill>
+              </a:rPr>
+              <a:t>PacBio</a:t>
+            </a:r>
+            <a:r>
+              <a:rPr lang="pl-PL" dirty="0">
+                <a:solidFill>
+                  <a:srgbClr val="7F7F7F"/>
+                </a:solidFill>
+              </a:rPr>
+              <a:t> </a:t>
+            </a:r>
+            <a:r>
+              <a:rPr lang="pl-PL" dirty="0" err="1">
+                <a:solidFill>
+                  <a:srgbClr val="7F7F7F"/>
+                </a:solidFill>
+              </a:rPr>
+              <a:t>quality</a:t>
+            </a:r>
+            <a:endParaRPr lang="pl-PL" dirty="0">
+              <a:solidFill>
+                <a:srgbClr val="7F7F7F"/>
+              </a:solidFill>
+            </a:endParaRPr>
+          </a:p>
+          <a:p>
+            <a:pPr marL="0" indent="0">
+              <a:buNone/>
+            </a:pPr>
+            <a:r>
+              <a:rPr lang="pl-PL" dirty="0">
+                <a:solidFill>
+                  <a:srgbClr val="7F7F7F"/>
+                </a:solidFill>
+              </a:rPr>
+              <a:t>plot(1:nchar(</a:t>
+            </a:r>
+            <a:r>
+              <a:rPr lang="pl-PL" dirty="0" err="1">
+                <a:solidFill>
+                  <a:srgbClr val="7F7F7F"/>
+                </a:solidFill>
+              </a:rPr>
+              <a:t>qual</a:t>
+            </a:r>
+            <a:r>
+              <a:rPr lang="pl-PL" dirty="0">
+                <a:solidFill>
+                  <a:srgbClr val="7F7F7F"/>
+                </a:solidFill>
+              </a:rPr>
+              <a:t>[3, 2]), </a:t>
+            </a:r>
+            <a:r>
+              <a:rPr lang="pl-PL" dirty="0" err="1">
+                <a:solidFill>
+                  <a:srgbClr val="7F7F7F"/>
+                </a:solidFill>
+              </a:rPr>
+              <a:t>pacbio</a:t>
+            </a:r>
+            <a:r>
+              <a:rPr lang="pl-PL" dirty="0">
+                <a:solidFill>
+                  <a:srgbClr val="7F7F7F"/>
+                </a:solidFill>
+              </a:rPr>
+              <a:t>, </a:t>
+            </a:r>
+            <a:r>
+              <a:rPr lang="pl-PL" dirty="0" err="1">
+                <a:solidFill>
+                  <a:srgbClr val="7F7F7F"/>
+                </a:solidFill>
+              </a:rPr>
+              <a:t>pch</a:t>
+            </a:r>
+            <a:r>
+              <a:rPr lang="pl-PL" dirty="0">
+                <a:solidFill>
+                  <a:srgbClr val="7F7F7F"/>
+                </a:solidFill>
+              </a:rPr>
+              <a:t>=19, </a:t>
+            </a:r>
+            <a:r>
+              <a:rPr lang="pl-PL" dirty="0" err="1">
+                <a:solidFill>
+                  <a:srgbClr val="7F7F7F"/>
+                </a:solidFill>
+              </a:rPr>
+              <a:t>cex</a:t>
+            </a:r>
+            <a:r>
+              <a:rPr lang="pl-PL" dirty="0">
+                <a:solidFill>
+                  <a:srgbClr val="7F7F7F"/>
+                </a:solidFill>
+              </a:rPr>
+              <a:t>=0.2, </a:t>
+            </a:r>
+            <a:r>
+              <a:rPr lang="pl-PL" dirty="0" err="1">
+                <a:solidFill>
+                  <a:srgbClr val="7F7F7F"/>
+                </a:solidFill>
+              </a:rPr>
+              <a:t>main</a:t>
+            </a:r>
+            <a:r>
+              <a:rPr lang="pl-PL" dirty="0">
+                <a:solidFill>
+                  <a:srgbClr val="7F7F7F"/>
+                </a:solidFill>
+              </a:rPr>
+              <a:t>="</a:t>
+            </a:r>
+            <a:r>
+              <a:rPr lang="pl-PL" dirty="0" err="1">
+                <a:solidFill>
+                  <a:srgbClr val="7F7F7F"/>
+                </a:solidFill>
+              </a:rPr>
+              <a:t>PacBio</a:t>
+            </a:r>
+            <a:r>
+              <a:rPr lang="pl-PL" dirty="0">
+                <a:solidFill>
+                  <a:srgbClr val="7F7F7F"/>
+                </a:solidFill>
+              </a:rPr>
+              <a:t>", </a:t>
+            </a:r>
+            <a:r>
+              <a:rPr lang="pl-PL" dirty="0" err="1">
+                <a:solidFill>
+                  <a:srgbClr val="7F7F7F"/>
+                </a:solidFill>
+              </a:rPr>
+              <a:t>xlab</a:t>
+            </a:r>
+            <a:r>
+              <a:rPr lang="pl-PL" dirty="0">
+                <a:solidFill>
+                  <a:srgbClr val="7F7F7F"/>
+                </a:solidFill>
+              </a:rPr>
+              <a:t>="</a:t>
+            </a:r>
+            <a:r>
+              <a:rPr lang="pl-PL" dirty="0" err="1">
+                <a:solidFill>
+                  <a:srgbClr val="7F7F7F"/>
+                </a:solidFill>
+              </a:rPr>
+              <a:t>Pos</a:t>
+            </a:r>
+            <a:r>
+              <a:rPr lang="pl-PL" dirty="0">
+                <a:solidFill>
+                  <a:srgbClr val="7F7F7F"/>
+                </a:solidFill>
+              </a:rPr>
+              <a:t> on </a:t>
+            </a:r>
+            <a:r>
+              <a:rPr lang="pl-PL" dirty="0" err="1">
+                <a:solidFill>
+                  <a:srgbClr val="7F7F7F"/>
+                </a:solidFill>
+              </a:rPr>
+              <a:t>read</a:t>
+            </a:r>
+            <a:r>
+              <a:rPr lang="pl-PL" dirty="0">
+                <a:solidFill>
+                  <a:srgbClr val="7F7F7F"/>
+                </a:solidFill>
+              </a:rPr>
+              <a:t>", </a:t>
+            </a:r>
+            <a:r>
+              <a:rPr lang="pl-PL" dirty="0" err="1">
+                <a:solidFill>
+                  <a:srgbClr val="7F7F7F"/>
+                </a:solidFill>
+              </a:rPr>
+              <a:t>ylab</a:t>
+            </a:r>
+            <a:r>
+              <a:rPr lang="pl-PL" dirty="0">
+                <a:solidFill>
+                  <a:srgbClr val="7F7F7F"/>
+                </a:solidFill>
+              </a:rPr>
+              <a:t>="</a:t>
+            </a:r>
+            <a:r>
+              <a:rPr lang="pl-PL" dirty="0" err="1">
+                <a:solidFill>
+                  <a:srgbClr val="7F7F7F"/>
+                </a:solidFill>
+              </a:rPr>
+              <a:t>Quality</a:t>
+            </a:r>
+            <a:r>
+              <a:rPr lang="pl-PL" dirty="0">
+                <a:solidFill>
+                  <a:srgbClr val="7F7F7F"/>
+                </a:solidFill>
+              </a:rPr>
+              <a:t>", </a:t>
+            </a:r>
+            <a:r>
+              <a:rPr lang="pl-PL" dirty="0" err="1">
+                <a:solidFill>
+                  <a:srgbClr val="7F7F7F"/>
+                </a:solidFill>
+              </a:rPr>
+              <a:t>ylim</a:t>
+            </a:r>
+            <a:r>
+              <a:rPr lang="pl-PL" dirty="0">
+                <a:solidFill>
+                  <a:srgbClr val="7F7F7F"/>
+                </a:solidFill>
+              </a:rPr>
+              <a:t>=c(0, 41))</a:t>
+            </a:r>
+          </a:p>
+          <a:p>
+            <a:pPr marL="0" indent="0">
+              <a:buNone/>
+            </a:pPr>
+            <a:endParaRPr lang="pl-PL" dirty="0"/>
+          </a:p>
+          <a:p>
+            <a:pPr marL="0" indent="0">
+              <a:buNone/>
+            </a:pPr>
+            <a:endParaRPr lang="en-US" dirty="0"/>
+          </a:p>
+        </p:txBody>
+      </p:sp>
+    </p:spTree>
+    <p:extLst>
+      <p:ext uri="{BB962C8B-B14F-4D97-AF65-F5344CB8AC3E}">
+        <p14:creationId xmlns:p14="http://schemas.microsoft.com/office/powerpoint/2010/main" val="2604319792"/>
+      </p:ext>
+    </p:extLst>
+  </p:cSld>
+  <p:clrMapOvr>
+    <a:masterClrMapping/>
+  </p:clrMapOvr>
+</p:sld>
+</file>
+
+<file path=ppt/slides/slide39.xml><?xml version="1.0" encoding="utf-8"?>
+<p:sld xmlns:a="http://schemas.openxmlformats.org/drawingml/2006/main" xmlns:r="http://schemas.openxmlformats.org/officeDocument/2006/relationships" xmlns:p="http://schemas.openxmlformats.org/presentationml/2006/main">
+  <p:cSld>
+    <p:spTree>
+      <p:nvGrpSpPr>
+        <p:cNvPr id="1" name=""/>
+        <p:cNvGrpSpPr/>
+        <p:nvPr/>
+      </p:nvGrpSpPr>
+      <p:grpSpPr>
+        <a:xfrm>
+          <a:off x="0" y="0"/>
+          <a:ext cx="0" cy="0"/>
+          <a:chOff x="0" y="0"/>
+          <a:chExt cx="0" cy="0"/>
+        </a:xfrm>
+      </p:grpSpPr>
+      <p:sp>
+        <p:nvSpPr>
+          <p:cNvPr id="2" name="Title 1"/>
+          <p:cNvSpPr>
+            <a:spLocks noGrp="1"/>
+          </p:cNvSpPr>
+          <p:nvPr>
+            <p:ph type="title"/>
+          </p:nvPr>
+        </p:nvSpPr>
+        <p:spPr/>
+        <p:txBody>
+          <a:bodyPr/>
+          <a:lstStyle/>
+          <a:p>
+            <a:r>
+              <a:rPr lang="en-US" dirty="0"/>
+              <a:t>Write a plotting function</a:t>
+            </a:r>
+          </a:p>
+        </p:txBody>
+      </p:sp>
+      <p:sp>
+        <p:nvSpPr>
+          <p:cNvPr id="3" name="Content Placeholder 2"/>
+          <p:cNvSpPr>
+            <a:spLocks noGrp="1"/>
+          </p:cNvSpPr>
+          <p:nvPr>
+            <p:ph idx="1"/>
+          </p:nvPr>
+        </p:nvSpPr>
+        <p:spPr>
+          <a:xfrm>
+            <a:off x="254000" y="1969076"/>
+            <a:ext cx="8661400" cy="2869624"/>
+          </a:xfrm>
+        </p:spPr>
+        <p:txBody>
+          <a:bodyPr/>
+          <a:lstStyle/>
+          <a:p>
+            <a:pPr marL="0" indent="0">
+              <a:buNone/>
+            </a:pPr>
+            <a:r>
+              <a:rPr lang="en-US" dirty="0" err="1"/>
+              <a:t>qual.plot</a:t>
+            </a:r>
+            <a:r>
+              <a:rPr lang="en-US" dirty="0"/>
+              <a:t> &lt;- function(</a:t>
+            </a:r>
+            <a:r>
+              <a:rPr lang="en-US" dirty="0" err="1"/>
+              <a:t>qual.data</a:t>
+            </a:r>
+            <a:r>
+              <a:rPr lang="en-US" dirty="0"/>
+              <a:t>, label="") {</a:t>
+            </a:r>
+          </a:p>
+          <a:p>
+            <a:pPr marL="0" indent="0">
+              <a:buNone/>
+            </a:pPr>
+            <a:r>
+              <a:rPr lang="en-US" dirty="0"/>
+              <a:t>  ### plot quality scores against base positions</a:t>
+            </a:r>
+          </a:p>
+          <a:p>
+            <a:pPr marL="0" indent="0">
+              <a:buNone/>
+            </a:pPr>
+            <a:r>
+              <a:rPr lang="en-US" dirty="0"/>
+              <a:t>  </a:t>
+            </a:r>
+            <a:r>
+              <a:rPr lang="en-US" dirty="0" err="1"/>
+              <a:t>qual.vals</a:t>
+            </a:r>
+            <a:r>
+              <a:rPr lang="en-US" dirty="0"/>
+              <a:t> &lt;- </a:t>
+            </a:r>
+            <a:r>
+              <a:rPr lang="en-US" dirty="0" err="1"/>
+              <a:t>as.numeric</a:t>
+            </a:r>
+            <a:r>
+              <a:rPr lang="en-US" dirty="0"/>
+              <a:t>(</a:t>
+            </a:r>
+            <a:r>
+              <a:rPr lang="en-US" dirty="0" err="1"/>
+              <a:t>charToRaw</a:t>
+            </a:r>
+            <a:r>
+              <a:rPr lang="en-US" dirty="0"/>
+              <a:t>(</a:t>
+            </a:r>
+            <a:r>
+              <a:rPr lang="en-US" dirty="0" err="1"/>
+              <a:t>as.character</a:t>
+            </a:r>
+            <a:r>
+              <a:rPr lang="en-US" dirty="0"/>
+              <a:t>(</a:t>
+            </a:r>
+            <a:r>
+              <a:rPr lang="en-US" dirty="0" err="1"/>
+              <a:t>qual.data</a:t>
+            </a:r>
+            <a:r>
+              <a:rPr lang="en-US" dirty="0"/>
+              <a:t>))) - 33</a:t>
+            </a:r>
+          </a:p>
+          <a:p>
+            <a:pPr marL="0" indent="0">
+              <a:buNone/>
+            </a:pPr>
+            <a:r>
+              <a:rPr lang="en-US" dirty="0"/>
+              <a:t>  plot(1:length(</a:t>
+            </a:r>
+            <a:r>
+              <a:rPr lang="en-US" dirty="0" err="1"/>
+              <a:t>qual.vals</a:t>
+            </a:r>
+            <a:r>
+              <a:rPr lang="en-US" dirty="0"/>
+              <a:t>), </a:t>
+            </a:r>
+            <a:r>
+              <a:rPr lang="en-US" dirty="0" err="1"/>
+              <a:t>qual.vals</a:t>
+            </a:r>
+            <a:r>
+              <a:rPr lang="en-US" dirty="0"/>
+              <a:t>, </a:t>
+            </a:r>
+            <a:r>
+              <a:rPr lang="en-US" dirty="0" err="1"/>
+              <a:t>pch</a:t>
+            </a:r>
+            <a:r>
+              <a:rPr lang="en-US" dirty="0"/>
+              <a:t>=19, </a:t>
+            </a:r>
+            <a:r>
+              <a:rPr lang="en-US" dirty="0" err="1"/>
+              <a:t>cex</a:t>
+            </a:r>
+            <a:r>
+              <a:rPr lang="en-US" dirty="0"/>
+              <a:t>=0.2, main=label,</a:t>
+            </a:r>
+          </a:p>
+          <a:p>
+            <a:pPr marL="0" indent="0">
+              <a:buNone/>
+            </a:pPr>
+            <a:r>
+              <a:rPr lang="en-US" dirty="0"/>
+              <a:t>       </a:t>
+            </a:r>
+            <a:r>
+              <a:rPr lang="en-US" dirty="0" err="1"/>
+              <a:t>xlab</a:t>
+            </a:r>
+            <a:r>
+              <a:rPr lang="en-US" dirty="0"/>
+              <a:t>="</a:t>
+            </a:r>
+            <a:r>
+              <a:rPr lang="en-US" dirty="0" err="1"/>
+              <a:t>Pos</a:t>
+            </a:r>
+            <a:r>
+              <a:rPr lang="en-US" dirty="0"/>
+              <a:t> on read", </a:t>
+            </a:r>
+            <a:r>
+              <a:rPr lang="en-US" dirty="0" err="1"/>
+              <a:t>ylab</a:t>
+            </a:r>
+            <a:r>
+              <a:rPr lang="en-US" dirty="0"/>
+              <a:t>="Quality", </a:t>
+            </a:r>
+            <a:r>
+              <a:rPr lang="en-US" dirty="0" err="1"/>
+              <a:t>ylim</a:t>
+            </a:r>
+            <a:r>
+              <a:rPr lang="en-US" dirty="0"/>
+              <a:t>=c(0, 41))</a:t>
+            </a:r>
+          </a:p>
+          <a:p>
+            <a:pPr marL="0" indent="0">
+              <a:buNone/>
+            </a:pPr>
+            <a:r>
+              <a:rPr lang="en-US" dirty="0"/>
+              <a:t>}</a:t>
+            </a:r>
+          </a:p>
+        </p:txBody>
+      </p:sp>
+    </p:spTree>
+    <p:extLst>
+      <p:ext uri="{BB962C8B-B14F-4D97-AF65-F5344CB8AC3E}">
+        <p14:creationId xmlns:p14="http://schemas.microsoft.com/office/powerpoint/2010/main" val="800887616"/>
       </p:ext>
     </p:extLst>
   </p:cSld>
@@ -10811,6 +13628,445 @@
     <p:extLst>
       <p:ext uri="{BB962C8B-B14F-4D97-AF65-F5344CB8AC3E}">
         <p14:creationId xmlns:p14="http://schemas.microsoft.com/office/powerpoint/2010/main" val="3532995241"/>
+      </p:ext>
+    </p:extLst>
+  </p:cSld>
+  <p:clrMapOvr>
+    <a:masterClrMapping/>
+  </p:clrMapOvr>
+</p:sld>
+</file>
+
+<file path=ppt/slides/slide40.xml><?xml version="1.0" encoding="utf-8"?>
+<p:sld xmlns:a="http://schemas.openxmlformats.org/drawingml/2006/main" xmlns:r="http://schemas.openxmlformats.org/officeDocument/2006/relationships" xmlns:p="http://schemas.openxmlformats.org/presentationml/2006/main">
+  <p:cSld>
+    <p:spTree>
+      <p:nvGrpSpPr>
+        <p:cNvPr id="1" name=""/>
+        <p:cNvGrpSpPr/>
+        <p:nvPr/>
+      </p:nvGrpSpPr>
+      <p:grpSpPr>
+        <a:xfrm>
+          <a:off x="0" y="0"/>
+          <a:ext cx="0" cy="0"/>
+          <a:chOff x="0" y="0"/>
+          <a:chExt cx="0" cy="0"/>
+        </a:xfrm>
+      </p:grpSpPr>
+      <p:sp>
+        <p:nvSpPr>
+          <p:cNvPr id="2" name="Title 1"/>
+          <p:cNvSpPr>
+            <a:spLocks noGrp="1"/>
+          </p:cNvSpPr>
+          <p:nvPr>
+            <p:ph type="title"/>
+          </p:nvPr>
+        </p:nvSpPr>
+        <p:spPr>
+          <a:xfrm>
+            <a:off x="457200" y="274638"/>
+            <a:ext cx="8229600" cy="1185862"/>
+          </a:xfrm>
+        </p:spPr>
+        <p:txBody>
+          <a:bodyPr>
+            <a:normAutofit/>
+          </a:bodyPr>
+          <a:lstStyle/>
+          <a:p>
+            <a:r>
+              <a:rPr lang="en-US" sz="3200" dirty="0"/>
+              <a:t>Plot three sets of quality scores using a newly written function</a:t>
+            </a:r>
+          </a:p>
+        </p:txBody>
+      </p:sp>
+      <p:sp>
+        <p:nvSpPr>
+          <p:cNvPr id="3" name="Content Placeholder 2"/>
+          <p:cNvSpPr>
+            <a:spLocks noGrp="1"/>
+          </p:cNvSpPr>
+          <p:nvPr>
+            <p:ph idx="1"/>
+          </p:nvPr>
+        </p:nvSpPr>
+        <p:spPr>
+          <a:xfrm>
+            <a:off x="457200" y="2337376"/>
+            <a:ext cx="8229600" cy="2856924"/>
+          </a:xfrm>
+        </p:spPr>
+        <p:txBody>
+          <a:bodyPr>
+            <a:normAutofit/>
+          </a:bodyPr>
+          <a:lstStyle/>
+          <a:p>
+            <a:pPr marL="0" indent="0">
+              <a:buNone/>
+            </a:pPr>
+            <a:r>
+              <a:rPr lang="en-US" sz="2800" dirty="0"/>
+              <a:t>### plotting</a:t>
+            </a:r>
+          </a:p>
+          <a:p>
+            <a:pPr marL="0" indent="0">
+              <a:buNone/>
+            </a:pPr>
+            <a:r>
+              <a:rPr lang="en-US" sz="2800" dirty="0"/>
+              <a:t>par(</a:t>
+            </a:r>
+            <a:r>
+              <a:rPr lang="en-US" sz="2800" dirty="0" err="1"/>
+              <a:t>mfrow</a:t>
+            </a:r>
+            <a:r>
+              <a:rPr lang="en-US" sz="2800" dirty="0"/>
+              <a:t>=c(1, 3))</a:t>
+            </a:r>
+          </a:p>
+          <a:p>
+            <a:pPr marL="0" indent="0">
+              <a:buNone/>
+            </a:pPr>
+            <a:r>
+              <a:rPr lang="en-US" sz="2800" dirty="0" err="1"/>
+              <a:t>qual.plot</a:t>
+            </a:r>
+            <a:r>
+              <a:rPr lang="en-US" sz="2800" dirty="0"/>
+              <a:t>(</a:t>
+            </a:r>
+            <a:r>
+              <a:rPr lang="en-US" sz="2800" dirty="0" err="1"/>
+              <a:t>qual.data</a:t>
+            </a:r>
+            <a:r>
+              <a:rPr lang="en-US" sz="2800" dirty="0"/>
+              <a:t> = </a:t>
+            </a:r>
+            <a:r>
+              <a:rPr lang="en-US" sz="2800" dirty="0" err="1"/>
+              <a:t>qual</a:t>
+            </a:r>
+            <a:r>
+              <a:rPr lang="en-US" sz="2800" dirty="0"/>
+              <a:t>[1, 2], label = "</a:t>
+            </a:r>
+            <a:r>
+              <a:rPr lang="en-US" sz="2800" dirty="0" err="1"/>
+              <a:t>Illumina</a:t>
+            </a:r>
+            <a:r>
+              <a:rPr lang="en-US" sz="2800" dirty="0"/>
+              <a:t>")</a:t>
+            </a:r>
+          </a:p>
+          <a:p>
+            <a:pPr marL="0" indent="0">
+              <a:buNone/>
+            </a:pPr>
+            <a:r>
+              <a:rPr lang="en-US" sz="2800" dirty="0" err="1"/>
+              <a:t>qual.plot</a:t>
+            </a:r>
+            <a:r>
+              <a:rPr lang="en-US" sz="2800" dirty="0"/>
+              <a:t>(</a:t>
+            </a:r>
+            <a:r>
+              <a:rPr lang="en-US" sz="2800" dirty="0" err="1"/>
+              <a:t>qual.data</a:t>
+            </a:r>
+            <a:r>
+              <a:rPr lang="en-US" sz="2800" dirty="0"/>
+              <a:t> = </a:t>
+            </a:r>
+            <a:r>
+              <a:rPr lang="en-US" sz="2800" dirty="0" err="1"/>
+              <a:t>qual</a:t>
+            </a:r>
+            <a:r>
+              <a:rPr lang="en-US" sz="2800" dirty="0"/>
+              <a:t>[2, 2], label = "Proton")</a:t>
+            </a:r>
+          </a:p>
+          <a:p>
+            <a:pPr marL="0" indent="0">
+              <a:buNone/>
+            </a:pPr>
+            <a:r>
+              <a:rPr lang="en-US" sz="2800" dirty="0" err="1"/>
+              <a:t>qual.plot</a:t>
+            </a:r>
+            <a:r>
+              <a:rPr lang="en-US" sz="2800" dirty="0"/>
+              <a:t>(</a:t>
+            </a:r>
+            <a:r>
+              <a:rPr lang="en-US" sz="2800" dirty="0" err="1"/>
+              <a:t>qual.data</a:t>
+            </a:r>
+            <a:r>
+              <a:rPr lang="en-US" sz="2800" dirty="0"/>
+              <a:t> = </a:t>
+            </a:r>
+            <a:r>
+              <a:rPr lang="en-US" sz="2800" dirty="0" err="1"/>
+              <a:t>qual</a:t>
+            </a:r>
+            <a:r>
+              <a:rPr lang="en-US" sz="2800" dirty="0"/>
+              <a:t>[3, 2], label = "</a:t>
+            </a:r>
+            <a:r>
+              <a:rPr lang="en-US" sz="2800" dirty="0" err="1"/>
+              <a:t>PacBio</a:t>
+            </a:r>
+            <a:r>
+              <a:rPr lang="en-US" sz="2800" dirty="0"/>
+              <a:t>")</a:t>
+            </a:r>
+          </a:p>
+        </p:txBody>
+      </p:sp>
+    </p:spTree>
+    <p:extLst>
+      <p:ext uri="{BB962C8B-B14F-4D97-AF65-F5344CB8AC3E}">
+        <p14:creationId xmlns:p14="http://schemas.microsoft.com/office/powerpoint/2010/main" val="2638880839"/>
+      </p:ext>
+    </p:extLst>
+  </p:cSld>
+  <p:clrMapOvr>
+    <a:masterClrMapping/>
+  </p:clrMapOvr>
+</p:sld>
+</file>
+
+<file path=ppt/slides/slide41.xml><?xml version="1.0" encoding="utf-8"?>
+<p:sld xmlns:a="http://schemas.openxmlformats.org/drawingml/2006/main" xmlns:r="http://schemas.openxmlformats.org/officeDocument/2006/relationships" xmlns:p="http://schemas.openxmlformats.org/presentationml/2006/main">
+  <p:cSld>
+    <p:spTree>
+      <p:nvGrpSpPr>
+        <p:cNvPr id="1" name=""/>
+        <p:cNvGrpSpPr/>
+        <p:nvPr/>
+      </p:nvGrpSpPr>
+      <p:grpSpPr>
+        <a:xfrm>
+          <a:off x="0" y="0"/>
+          <a:ext cx="0" cy="0"/>
+          <a:chOff x="0" y="0"/>
+          <a:chExt cx="0" cy="0"/>
+        </a:xfrm>
+      </p:grpSpPr>
+      <p:sp>
+        <p:nvSpPr>
+          <p:cNvPr id="2" name="Title 1"/>
+          <p:cNvSpPr>
+            <a:spLocks noGrp="1"/>
+          </p:cNvSpPr>
+          <p:nvPr>
+            <p:ph type="title"/>
+          </p:nvPr>
+        </p:nvSpPr>
+        <p:spPr/>
+        <p:txBody>
+          <a:bodyPr/>
+          <a:lstStyle/>
+          <a:p>
+            <a:r>
+              <a:rPr lang="en-US" dirty="0"/>
+              <a:t>RESULT</a:t>
+            </a:r>
+          </a:p>
+        </p:txBody>
+      </p:sp>
+      <p:pic>
+        <p:nvPicPr>
+          <p:cNvPr id="4" name="Picture 3"/>
+          <p:cNvPicPr>
+            <a:picLocks noChangeAspect="1"/>
+          </p:cNvPicPr>
+          <p:nvPr/>
+        </p:nvPicPr>
+        <p:blipFill>
+          <a:blip r:embed="rId2"/>
+          <a:stretch>
+            <a:fillRect/>
+          </a:stretch>
+        </p:blipFill>
+        <p:spPr>
+          <a:xfrm>
+            <a:off x="0" y="1790700"/>
+            <a:ext cx="9144000" cy="3268198"/>
+          </a:xfrm>
+          <a:prstGeom prst="rect">
+            <a:avLst/>
+          </a:prstGeom>
+        </p:spPr>
+      </p:pic>
+    </p:spTree>
+    <p:extLst>
+      <p:ext uri="{BB962C8B-B14F-4D97-AF65-F5344CB8AC3E}">
+        <p14:creationId xmlns:p14="http://schemas.microsoft.com/office/powerpoint/2010/main" val="3777044457"/>
+      </p:ext>
+    </p:extLst>
+  </p:cSld>
+  <p:clrMapOvr>
+    <a:masterClrMapping/>
+  </p:clrMapOvr>
+</p:sld>
+</file>
+
+<file path=ppt/slides/slide42.xml><?xml version="1.0" encoding="utf-8"?>
+<p:sld xmlns:a="http://schemas.openxmlformats.org/drawingml/2006/main" xmlns:r="http://schemas.openxmlformats.org/officeDocument/2006/relationships" xmlns:p="http://schemas.openxmlformats.org/presentationml/2006/main">
+  <p:cSld>
+    <p:spTree>
+      <p:nvGrpSpPr>
+        <p:cNvPr id="1" name=""/>
+        <p:cNvGrpSpPr/>
+        <p:nvPr/>
+      </p:nvGrpSpPr>
+      <p:grpSpPr>
+        <a:xfrm>
+          <a:off x="0" y="0"/>
+          <a:ext cx="0" cy="0"/>
+          <a:chOff x="0" y="0"/>
+          <a:chExt cx="0" cy="0"/>
+        </a:xfrm>
+      </p:grpSpPr>
+      <p:sp>
+        <p:nvSpPr>
+          <p:cNvPr id="4" name="Title 3"/>
+          <p:cNvSpPr>
+            <a:spLocks noGrp="1"/>
+          </p:cNvSpPr>
+          <p:nvPr>
+            <p:ph type="title"/>
+          </p:nvPr>
+        </p:nvSpPr>
+        <p:spPr/>
+        <p:txBody>
+          <a:bodyPr/>
+          <a:lstStyle/>
+          <a:p>
+            <a:r>
+              <a:rPr lang="en-US" dirty="0"/>
+              <a:t>Help information</a:t>
+            </a:r>
+          </a:p>
+        </p:txBody>
+      </p:sp>
+      <p:sp>
+        <p:nvSpPr>
+          <p:cNvPr id="5" name="Content Placeholder 4"/>
+          <p:cNvSpPr>
+            <a:spLocks noGrp="1"/>
+          </p:cNvSpPr>
+          <p:nvPr>
+            <p:ph idx="1"/>
+          </p:nvPr>
+        </p:nvSpPr>
+        <p:spPr>
+          <a:xfrm>
+            <a:off x="1357171" y="1506835"/>
+            <a:ext cx="6557539" cy="3647279"/>
+          </a:xfrm>
+        </p:spPr>
+        <p:txBody>
+          <a:bodyPr>
+            <a:normAutofit/>
+          </a:bodyPr>
+          <a:lstStyle/>
+          <a:p>
+            <a:r>
+              <a:rPr lang="en-US" sz="3200" dirty="0"/>
+              <a:t>help(</a:t>
+            </a:r>
+            <a:r>
+              <a:rPr lang="en-US" sz="3200" dirty="0" err="1"/>
+              <a:t>nchar</a:t>
+            </a:r>
+            <a:r>
+              <a:rPr lang="en-US" sz="3200" dirty="0"/>
+              <a:t>)</a:t>
+            </a:r>
+          </a:p>
+          <a:p>
+            <a:r>
+              <a:rPr lang="en-US" sz="3200" dirty="0"/>
+              <a:t>?</a:t>
+            </a:r>
+            <a:r>
+              <a:rPr lang="en-US" sz="3200" dirty="0" err="1"/>
+              <a:t>nchar</a:t>
+            </a:r>
+            <a:endParaRPr lang="en-US" sz="3200" dirty="0"/>
+          </a:p>
+          <a:p>
+            <a:r>
+              <a:rPr lang="en-US" sz="3200" dirty="0"/>
+              <a:t>??</a:t>
+            </a:r>
+            <a:r>
+              <a:rPr lang="en-US" sz="3200" dirty="0" err="1"/>
+              <a:t>colsum</a:t>
+            </a:r>
+            <a:endParaRPr lang="en-US" sz="3200" dirty="0"/>
+          </a:p>
+          <a:p>
+            <a:endParaRPr lang="en-US" sz="3200" dirty="0"/>
+          </a:p>
+          <a:p>
+            <a:r>
+              <a:rPr lang="en-US" sz="3200" dirty="0">
+                <a:hlinkClick r:id="rId3"/>
+              </a:rPr>
+              <a:t>R reference card</a:t>
+            </a:r>
+            <a:endParaRPr lang="en-US" sz="3200" dirty="0"/>
+          </a:p>
+        </p:txBody>
+      </p:sp>
+      <p:sp>
+        <p:nvSpPr>
+          <p:cNvPr id="2" name="Slide Number Placeholder 1">
+            <a:extLst>
+              <a:ext uri="{FF2B5EF4-FFF2-40B4-BE49-F238E27FC236}">
+                <a16:creationId xmlns:a16="http://schemas.microsoft.com/office/drawing/2014/main" id="{50D1C506-14EE-4E42-893C-A93A77318EDF}"/>
+              </a:ext>
+            </a:extLst>
+          </p:cNvPr>
+          <p:cNvSpPr>
+            <a:spLocks noGrp="1"/>
+          </p:cNvSpPr>
+          <p:nvPr>
+            <p:ph type="sldNum" sz="quarter" idx="12"/>
+          </p:nvPr>
+        </p:nvSpPr>
+        <p:spPr/>
+        <p:txBody>
+          <a:bodyPr/>
+          <a:lstStyle/>
+          <a:p>
+            <a:fld id="{9DA039C4-C5F2-1743-BB7A-5D831266C61E}" type="slidenum">
+              <a:rPr lang="en-US" smtClean="0"/>
+              <a:t>42</a:t>
+            </a:fld>
+            <a:endParaRPr lang="en-US"/>
+          </a:p>
+        </p:txBody>
+      </p:sp>
+    </p:spTree>
+    <p:extLst>
+      <p:ext uri="{BB962C8B-B14F-4D97-AF65-F5344CB8AC3E}">
+        <p14:creationId xmlns:p14="http://schemas.microsoft.com/office/powerpoint/2010/main" val="2200856350"/>
       </p:ext>
     </p:extLst>
   </p:cSld>

--- a/PLPTH813Bioinformatis/2021/labs/lab03_R.pptx
+++ b/PLPTH813Bioinformatis/2021/labs/lab03_R.pptx
@@ -249,7 +249,7 @@
           <a:p>
             <a:fld id="{5EE6BB87-626E-9C4B-A7F4-9EF6478BD5F6}" type="datetimeFigureOut">
               <a:rPr lang="en-US" smtClean="0"/>
-              <a:t>2/17/21</a:t>
+              <a:t>2/18/21</a:t>
             </a:fld>
             <a:endParaRPr lang="en-US"/>
           </a:p>
@@ -779,7 +779,7 @@
           <a:p>
             <a:fld id="{254119E5-AD51-7E46-9344-E8B3BB37F139}" type="datetime1">
               <a:rPr lang="en-US" smtClean="0"/>
-              <a:t>2/17/21</a:t>
+              <a:t>2/18/21</a:t>
             </a:fld>
             <a:endParaRPr lang="en-US"/>
           </a:p>
@@ -947,7 +947,7 @@
           <a:p>
             <a:fld id="{CD42E9F4-7DE3-B746-B1FE-192A544BEF48}" type="datetime1">
               <a:rPr lang="en-US" smtClean="0"/>
-              <a:t>2/17/21</a:t>
+              <a:t>2/18/21</a:t>
             </a:fld>
             <a:endParaRPr lang="en-US"/>
           </a:p>
@@ -1125,7 +1125,7 @@
           <a:p>
             <a:fld id="{845A3379-C538-544A-A9D1-640EB79FE5C7}" type="datetime1">
               <a:rPr lang="en-US" smtClean="0"/>
-              <a:t>2/17/21</a:t>
+              <a:t>2/18/21</a:t>
             </a:fld>
             <a:endParaRPr lang="en-US"/>
           </a:p>
@@ -1293,7 +1293,7 @@
           <a:p>
             <a:fld id="{5669ABA4-2197-7D41-AEF2-BD140F17A11F}" type="datetime1">
               <a:rPr lang="en-US" smtClean="0"/>
-              <a:t>2/17/21</a:t>
+              <a:t>2/18/21</a:t>
             </a:fld>
             <a:endParaRPr lang="en-US"/>
           </a:p>
@@ -1538,7 +1538,7 @@
           <a:p>
             <a:fld id="{5579C3C2-B0B3-964C-973A-E953F88F5679}" type="datetime1">
               <a:rPr lang="en-US" smtClean="0"/>
-              <a:t>2/17/21</a:t>
+              <a:t>2/18/21</a:t>
             </a:fld>
             <a:endParaRPr lang="en-US"/>
           </a:p>
@@ -1823,7 +1823,7 @@
           <a:p>
             <a:fld id="{6CC1E685-B844-B749-AC6C-8F4EE0F34DB8}" type="datetime1">
               <a:rPr lang="en-US" smtClean="0"/>
-              <a:t>2/17/21</a:t>
+              <a:t>2/18/21</a:t>
             </a:fld>
             <a:endParaRPr lang="en-US"/>
           </a:p>
@@ -2242,7 +2242,7 @@
           <a:p>
             <a:fld id="{7BA8CA4E-9F77-BA4C-B927-7C688D1260D8}" type="datetime1">
               <a:rPr lang="en-US" smtClean="0"/>
-              <a:t>2/17/21</a:t>
+              <a:t>2/18/21</a:t>
             </a:fld>
             <a:endParaRPr lang="en-US"/>
           </a:p>
@@ -2359,7 +2359,7 @@
           <a:p>
             <a:fld id="{A48E6C0C-4E93-104B-8392-781802BB7D1C}" type="datetime1">
               <a:rPr lang="en-US" smtClean="0"/>
-              <a:t>2/17/21</a:t>
+              <a:t>2/18/21</a:t>
             </a:fld>
             <a:endParaRPr lang="en-US"/>
           </a:p>
@@ -2454,7 +2454,7 @@
           <a:p>
             <a:fld id="{B63AE914-843C-0E41-9DA9-9B1ED48CF7DA}" type="datetime1">
               <a:rPr lang="en-US" smtClean="0"/>
-              <a:t>2/17/21</a:t>
+              <a:t>2/18/21</a:t>
             </a:fld>
             <a:endParaRPr lang="en-US"/>
           </a:p>
@@ -2729,7 +2729,7 @@
           <a:p>
             <a:fld id="{84DA3DA4-BEC6-0243-AA07-E0771E045B09}" type="datetime1">
               <a:rPr lang="en-US" smtClean="0"/>
-              <a:t>2/17/21</a:t>
+              <a:t>2/18/21</a:t>
             </a:fld>
             <a:endParaRPr lang="en-US"/>
           </a:p>
@@ -2981,7 +2981,7 @@
           <a:p>
             <a:fld id="{FDE217A0-9CD2-FD45-8591-8409027D94BD}" type="datetime1">
               <a:rPr lang="en-US" smtClean="0"/>
-              <a:t>2/17/21</a:t>
+              <a:t>2/18/21</a:t>
             </a:fld>
             <a:endParaRPr lang="en-US"/>
           </a:p>
@@ -3192,7 +3192,7 @@
           <a:p>
             <a:fld id="{A86DD059-C251-DB4C-8608-C5C083C94679}" type="datetime1">
               <a:rPr lang="en-US" smtClean="0"/>
-              <a:t>2/17/21</a:t>
+              <a:t>2/18/21</a:t>
             </a:fld>
             <a:endParaRPr lang="en-US"/>
           </a:p>
@@ -4366,7 +4366,7 @@
         </p:spPr>
         <p:txBody>
           <a:bodyPr>
-            <a:normAutofit/>
+            <a:normAutofit lnSpcReduction="10000"/>
           </a:bodyPr>
           <a:lstStyle/>
           <a:p>
@@ -4438,6 +4438,19 @@
             <a:r>
               <a:rPr lang="en-US" dirty="0"/>
               <a:t>(digits) # convert to integer</a:t>
+            </a:r>
+          </a:p>
+          <a:p>
+            <a:pPr marL="0" indent="0">
+              <a:buNone/>
+            </a:pPr>
+            <a:r>
+              <a:rPr lang="en-US" b="1" dirty="0">
+                <a:solidFill>
+                  <a:srgbClr val="17375E"/>
+                </a:solidFill>
+              </a:rPr>
+              <a:t>mode(digits)</a:t>
             </a:r>
           </a:p>
           <a:p>
@@ -6472,8 +6485,8 @@
         </p:nvSpPr>
         <p:spPr>
           <a:xfrm>
-            <a:off x="608967" y="3842993"/>
-            <a:ext cx="2278166" cy="1569660"/>
+            <a:off x="799467" y="3870882"/>
+            <a:ext cx="2278166" cy="1938992"/>
           </a:xfrm>
           <a:prstGeom prst="rect">
             <a:avLst/>
@@ -6531,19 +6544,18 @@
             </a:r>
           </a:p>
           <a:p>
-            <a:r>
-              <a:rPr lang="en-US" sz="2400" dirty="0" err="1">
-                <a:latin typeface="Courier"/>
-                <a:cs typeface="Courier"/>
-              </a:rPr>
-              <a:t>df</a:t>
-            </a:r>
+            <a:endParaRPr lang="en-US" sz="2400" dirty="0">
+              <a:latin typeface="Courier"/>
+              <a:cs typeface="Courier"/>
+            </a:endParaRPr>
+          </a:p>
+          <a:p>
             <a:r>
               <a:rPr lang="en-US" sz="2400" dirty="0">
                 <a:latin typeface="Courier"/>
                 <a:cs typeface="Courier"/>
               </a:rPr>
-              <a:t>[1]</a:t>
+              <a:t>df[1]</a:t>
             </a:r>
           </a:p>
         </p:txBody>
@@ -6927,12 +6939,6 @@
             <a:pPr marL="0" indent="0">
               <a:buNone/>
             </a:pPr>
-            <a:endParaRPr lang="en-US" dirty="0"/>
-          </a:p>
-          <a:p>
-            <a:pPr marL="0" indent="0">
-              <a:buNone/>
-            </a:pPr>
             <a:r>
               <a:rPr lang="en-US" sz="2000" dirty="0">
                 <a:latin typeface="Courier"/>
@@ -8003,7 +8009,7 @@
             </a:pPr>
             <a:r>
               <a:rPr lang="en-US" dirty="0"/>
-              <a:t>three rows (entries): your neighbors and you</a:t>
+              <a:t>three rows (entries): members in the breakout room and you</a:t>
             </a:r>
           </a:p>
           <a:p>

--- a/PLPTH813Bioinformatis/2021/labs/lab03_R.pptx
+++ b/PLPTH813Bioinformatis/2021/labs/lab03_R.pptx
@@ -251,7 +251,7 @@
           <a:p>
             <a:fld id="{5EE6BB87-626E-9C4B-A7F4-9EF6478BD5F6}" type="datetimeFigureOut">
               <a:rPr lang="en-US" smtClean="0"/>
-              <a:t>2/24/21</a:t>
+              <a:t>2/25/21</a:t>
             </a:fld>
             <a:endParaRPr lang="en-US"/>
           </a:p>
@@ -3389,7 +3389,7 @@
           <a:p>
             <a:fld id="{254119E5-AD51-7E46-9344-E8B3BB37F139}" type="datetime1">
               <a:rPr lang="en-US" smtClean="0"/>
-              <a:t>2/24/21</a:t>
+              <a:t>2/25/21</a:t>
             </a:fld>
             <a:endParaRPr lang="en-US"/>
           </a:p>
@@ -3557,7 +3557,7 @@
           <a:p>
             <a:fld id="{CD42E9F4-7DE3-B746-B1FE-192A544BEF48}" type="datetime1">
               <a:rPr lang="en-US" smtClean="0"/>
-              <a:t>2/24/21</a:t>
+              <a:t>2/25/21</a:t>
             </a:fld>
             <a:endParaRPr lang="en-US"/>
           </a:p>
@@ -3735,7 +3735,7 @@
           <a:p>
             <a:fld id="{845A3379-C538-544A-A9D1-640EB79FE5C7}" type="datetime1">
               <a:rPr lang="en-US" smtClean="0"/>
-              <a:t>2/24/21</a:t>
+              <a:t>2/25/21</a:t>
             </a:fld>
             <a:endParaRPr lang="en-US"/>
           </a:p>
@@ -3903,7 +3903,7 @@
           <a:p>
             <a:fld id="{5669ABA4-2197-7D41-AEF2-BD140F17A11F}" type="datetime1">
               <a:rPr lang="en-US" smtClean="0"/>
-              <a:t>2/24/21</a:t>
+              <a:t>2/25/21</a:t>
             </a:fld>
             <a:endParaRPr lang="en-US"/>
           </a:p>
@@ -4148,7 +4148,7 @@
           <a:p>
             <a:fld id="{5579C3C2-B0B3-964C-973A-E953F88F5679}" type="datetime1">
               <a:rPr lang="en-US" smtClean="0"/>
-              <a:t>2/24/21</a:t>
+              <a:t>2/25/21</a:t>
             </a:fld>
             <a:endParaRPr lang="en-US"/>
           </a:p>
@@ -4433,7 +4433,7 @@
           <a:p>
             <a:fld id="{6CC1E685-B844-B749-AC6C-8F4EE0F34DB8}" type="datetime1">
               <a:rPr lang="en-US" smtClean="0"/>
-              <a:t>2/24/21</a:t>
+              <a:t>2/25/21</a:t>
             </a:fld>
             <a:endParaRPr lang="en-US"/>
           </a:p>
@@ -4852,7 +4852,7 @@
           <a:p>
             <a:fld id="{7BA8CA4E-9F77-BA4C-B927-7C688D1260D8}" type="datetime1">
               <a:rPr lang="en-US" smtClean="0"/>
-              <a:t>2/24/21</a:t>
+              <a:t>2/25/21</a:t>
             </a:fld>
             <a:endParaRPr lang="en-US"/>
           </a:p>
@@ -4969,7 +4969,7 @@
           <a:p>
             <a:fld id="{A48E6C0C-4E93-104B-8392-781802BB7D1C}" type="datetime1">
               <a:rPr lang="en-US" smtClean="0"/>
-              <a:t>2/24/21</a:t>
+              <a:t>2/25/21</a:t>
             </a:fld>
             <a:endParaRPr lang="en-US"/>
           </a:p>
@@ -5064,7 +5064,7 @@
           <a:p>
             <a:fld id="{B63AE914-843C-0E41-9DA9-9B1ED48CF7DA}" type="datetime1">
               <a:rPr lang="en-US" smtClean="0"/>
-              <a:t>2/24/21</a:t>
+              <a:t>2/25/21</a:t>
             </a:fld>
             <a:endParaRPr lang="en-US"/>
           </a:p>
@@ -5339,7 +5339,7 @@
           <a:p>
             <a:fld id="{84DA3DA4-BEC6-0243-AA07-E0771E045B09}" type="datetime1">
               <a:rPr lang="en-US" smtClean="0"/>
-              <a:t>2/24/21</a:t>
+              <a:t>2/25/21</a:t>
             </a:fld>
             <a:endParaRPr lang="en-US"/>
           </a:p>
@@ -5591,7 +5591,7 @@
           <a:p>
             <a:fld id="{FDE217A0-9CD2-FD45-8591-8409027D94BD}" type="datetime1">
               <a:rPr lang="en-US" smtClean="0"/>
-              <a:t>2/24/21</a:t>
+              <a:t>2/25/21</a:t>
             </a:fld>
             <a:endParaRPr lang="en-US"/>
           </a:p>
@@ -5802,7 +5802,7 @@
           <a:p>
             <a:fld id="{A86DD059-C251-DB4C-8608-C5C083C94679}" type="datetime1">
               <a:rPr lang="en-US" smtClean="0"/>
-              <a:t>2/24/21</a:t>
+              <a:t>2/25/21</a:t>
             </a:fld>
             <a:endParaRPr lang="en-US"/>
           </a:p>
@@ -11633,7 +11633,7 @@
         </p:nvSpPr>
         <p:spPr>
           <a:xfrm>
-            <a:off x="985063" y="2347941"/>
+            <a:off x="886231" y="2305212"/>
             <a:ext cx="7371537" cy="2031325"/>
           </a:xfrm>
           <a:prstGeom prst="rect">
@@ -12440,7 +12440,7 @@
               <a:rPr lang="en-US" sz="1800" dirty="0">
                 <a:latin typeface="Courier" pitchFamily="2" charset="0"/>
               </a:rPr>
-              <a:t>))</a:t>
+              <a:t>)) +</a:t>
             </a:r>
           </a:p>
           <a:p>
@@ -14942,10 +14942,9 @@
               <a:buNone/>
             </a:pPr>
             <a:r>
-              <a:rPr lang="en-US" sz="2800" dirty="0" err="1"/>
-              <a:t>qual</a:t>
-            </a:r>
-            <a:endParaRPr lang="en-US" sz="2800" dirty="0"/>
+              <a:rPr lang="en-US" sz="2800" dirty="0"/>
+              <a:t>qual[, 2]</a:t>
+            </a:r>
           </a:p>
           <a:p>
             <a:pPr marL="0" indent="0">
